--- a/Final Presentation Template.pptx
+++ b/Final Presentation Template.pptx
@@ -543,11 +543,11 @@
         </c:dLbls>
         <c:gapWidth val="80"/>
         <c:overlap val="25"/>
-        <c:axId val="283756448"/>
-        <c:axId val="251641264"/>
+        <c:axId val="277756608"/>
+        <c:axId val="277760272"/>
       </c:barChart>
       <c:catAx>
-        <c:axId val="283756448"/>
+        <c:axId val="277756608"/>
         <c:scaling>
           <c:orientation val="minMax"/>
         </c:scaling>
@@ -590,7 +590,7 @@
             <a:endParaRPr lang="en-US"/>
           </a:p>
         </c:txPr>
-        <c:crossAx val="251641264"/>
+        <c:crossAx val="277760272"/>
         <c:crosses val="autoZero"/>
         <c:auto val="1"/>
         <c:lblAlgn val="ctr"/>
@@ -598,7 +598,7 @@
         <c:noMultiLvlLbl val="0"/>
       </c:catAx>
       <c:valAx>
-        <c:axId val="251641264"/>
+        <c:axId val="277760272"/>
         <c:scaling>
           <c:orientation val="minMax"/>
         </c:scaling>
@@ -649,7 +649,7 @@
             <a:endParaRPr lang="en-US"/>
           </a:p>
         </c:txPr>
-        <c:crossAx val="283756448"/>
+        <c:crossAx val="277756608"/>
         <c:crosses val="autoZero"/>
         <c:crossBetween val="between"/>
       </c:valAx>
@@ -1625,7 +1625,7 @@
           </a:ln>
           <a:extLst>
             <a:ext uri="{909E8E84-426E-40dd-AFC4-6F175D3DCCD1}">
-              <a14:hiddenFill xmlns="" xmlns:a14="http://schemas.microsoft.com/office/drawing/2010/main">
+              <a14:hiddenFill xmlns:a14="http://schemas.microsoft.com/office/drawing/2010/main" xmlns="">
                 <a:solidFill>
                   <a:srgbClr val="FFFFFF"/>
                 </a:solidFill>
@@ -1987,14 +1987,14 @@
           </a:ln>
           <a:extLst>
             <a:ext uri="{909E8E84-426E-40dd-AFC4-6F175D3DCCD1}">
-              <a14:hiddenFill xmlns:a14="http://schemas.microsoft.com/office/drawing/2010/main" xmlns="">
+              <a14:hiddenFill xmlns="" xmlns:a14="http://schemas.microsoft.com/office/drawing/2010/main">
                 <a:solidFill>
                   <a:srgbClr val="FFFFFF"/>
                 </a:solidFill>
               </a14:hiddenFill>
             </a:ext>
             <a:ext uri="{91240B29-F687-4f45-9708-019B960494DF}">
-              <a14:hiddenLine xmlns:a14="http://schemas.microsoft.com/office/drawing/2010/main" xmlns="" w="9525">
+              <a14:hiddenLine xmlns="" xmlns:a14="http://schemas.microsoft.com/office/drawing/2010/main" w="9525">
                 <a:solidFill>
                   <a:srgbClr val="000000"/>
                 </a:solidFill>
@@ -2028,14 +2028,14 @@
           </a:ln>
           <a:extLst>
             <a:ext uri="{909E8E84-426E-40dd-AFC4-6F175D3DCCD1}">
-              <a14:hiddenFill xmlns:a14="http://schemas.microsoft.com/office/drawing/2010/main" xmlns="">
+              <a14:hiddenFill xmlns="" xmlns:a14="http://schemas.microsoft.com/office/drawing/2010/main">
                 <a:solidFill>
                   <a:srgbClr val="FFFFFF"/>
                 </a:solidFill>
               </a14:hiddenFill>
             </a:ext>
             <a:ext uri="{91240B29-F687-4f45-9708-019B960494DF}">
-              <a14:hiddenLine xmlns:a14="http://schemas.microsoft.com/office/drawing/2010/main" xmlns="" w="9525">
+              <a14:hiddenLine xmlns="" xmlns:a14="http://schemas.microsoft.com/office/drawing/2010/main" w="9525">
                 <a:solidFill>
                   <a:srgbClr val="000000"/>
                 </a:solidFill>
@@ -2184,7 +2184,7 @@
           </a:ln>
           <a:extLst>
             <a:ext uri="{909E8E84-426E-40dd-AFC4-6F175D3DCCD1}">
-              <a14:hiddenFill xmlns:a14="http://schemas.microsoft.com/office/drawing/2010/main" xmlns="">
+              <a14:hiddenFill xmlns="" xmlns:a14="http://schemas.microsoft.com/office/drawing/2010/main">
                 <a:noFill/>
               </a14:hiddenFill>
             </a:ext>
@@ -2225,7 +2225,7 @@
           </a:ln>
           <a:extLst>
             <a:ext uri="{909E8E84-426E-40dd-AFC4-6F175D3DCCD1}">
-              <a14:hiddenFill xmlns:a14="http://schemas.microsoft.com/office/drawing/2010/main" xmlns="">
+              <a14:hiddenFill xmlns="" xmlns:a14="http://schemas.microsoft.com/office/drawing/2010/main">
                 <a:noFill/>
               </a14:hiddenFill>
             </a:ext>
@@ -2266,7 +2266,7 @@
           </a:ln>
           <a:extLst>
             <a:ext uri="{909E8E84-426E-40dd-AFC4-6F175D3DCCD1}">
-              <a14:hiddenFill xmlns:a14="http://schemas.microsoft.com/office/drawing/2010/main" xmlns="">
+              <a14:hiddenFill xmlns="" xmlns:a14="http://schemas.microsoft.com/office/drawing/2010/main">
                 <a:solidFill>
                   <a:srgbClr val="FFFFFF"/>
                 </a:solidFill>
@@ -2409,7 +2409,7 @@
           </a:ln>
           <a:extLst>
             <a:ext uri="{909E8E84-426E-40dd-AFC4-6F175D3DCCD1}">
-              <a14:hiddenFill xmlns:a14="http://schemas.microsoft.com/office/drawing/2010/main" xmlns="">
+              <a14:hiddenFill xmlns="" xmlns:a14="http://schemas.microsoft.com/office/drawing/2010/main">
                 <a:solidFill>
                   <a:srgbClr val="FFFFFF"/>
                 </a:solidFill>
@@ -4310,14 +4310,14 @@
           </a:ln>
           <a:extLst>
             <a:ext uri="{909E8E84-426E-40dd-AFC4-6F175D3DCCD1}">
-              <a14:hiddenFill xmlns:a14="http://schemas.microsoft.com/office/drawing/2010/main" xmlns="">
+              <a14:hiddenFill xmlns="" xmlns:a14="http://schemas.microsoft.com/office/drawing/2010/main">
                 <a:solidFill>
                   <a:srgbClr val="FFFFFF"/>
                 </a:solidFill>
               </a14:hiddenFill>
             </a:ext>
             <a:ext uri="{91240B29-F687-4f45-9708-019B960494DF}">
-              <a14:hiddenLine xmlns:a14="http://schemas.microsoft.com/office/drawing/2010/main" xmlns="" w="9525">
+              <a14:hiddenLine xmlns="" xmlns:a14="http://schemas.microsoft.com/office/drawing/2010/main" w="9525">
                 <a:solidFill>
                   <a:srgbClr val="000000"/>
                 </a:solidFill>
@@ -4353,14 +4353,14 @@
           </a:ln>
           <a:extLst>
             <a:ext uri="{909E8E84-426E-40dd-AFC4-6F175D3DCCD1}">
-              <a14:hiddenFill xmlns:a14="http://schemas.microsoft.com/office/drawing/2010/main" xmlns="">
+              <a14:hiddenFill xmlns="" xmlns:a14="http://schemas.microsoft.com/office/drawing/2010/main">
                 <a:solidFill>
                   <a:srgbClr val="FFFFFF"/>
                 </a:solidFill>
               </a14:hiddenFill>
             </a:ext>
             <a:ext uri="{91240B29-F687-4f45-9708-019B960494DF}">
-              <a14:hiddenLine xmlns:a14="http://schemas.microsoft.com/office/drawing/2010/main" xmlns="" w="9525">
+              <a14:hiddenLine xmlns="" xmlns:a14="http://schemas.microsoft.com/office/drawing/2010/main" w="9525">
                 <a:solidFill>
                   <a:srgbClr val="000000"/>
                 </a:solidFill>
@@ -4411,14 +4411,14 @@
           </a:ln>
           <a:extLst>
             <a:ext uri="{909E8E84-426E-40dd-AFC4-6F175D3DCCD1}">
-              <a14:hiddenFill xmlns:a14="http://schemas.microsoft.com/office/drawing/2010/main" xmlns="">
+              <a14:hiddenFill xmlns="" xmlns:a14="http://schemas.microsoft.com/office/drawing/2010/main">
                 <a:solidFill>
                   <a:srgbClr val="FFFFFF"/>
                 </a:solidFill>
               </a14:hiddenFill>
             </a:ext>
             <a:ext uri="{91240B29-F687-4f45-9708-019B960494DF}">
-              <a14:hiddenLine xmlns:a14="http://schemas.microsoft.com/office/drawing/2010/main" xmlns="" w="9525">
+              <a14:hiddenLine xmlns="" xmlns:a14="http://schemas.microsoft.com/office/drawing/2010/main" w="9525">
                 <a:solidFill>
                   <a:srgbClr val="000000"/>
                 </a:solidFill>
@@ -4472,7 +4472,7 @@
           </a:ln>
           <a:extLst>
             <a:ext uri="{909E8E84-426E-40dd-AFC4-6F175D3DCCD1}">
-              <a14:hiddenFill xmlns:a14="http://schemas.microsoft.com/office/drawing/2010/main" xmlns="">
+              <a14:hiddenFill xmlns="" xmlns:a14="http://schemas.microsoft.com/office/drawing/2010/main">
                 <a:noFill/>
               </a14:hiddenFill>
             </a:ext>
@@ -4513,7 +4513,7 @@
           <a:effectLst/>
           <a:extLst>
             <a:ext uri="{AF507438-7753-43e0-B8FC-AC1667EBCBE1}">
-              <a14:hiddenEffects xmlns:a14="http://schemas.microsoft.com/office/drawing/2010/main" xmlns="">
+              <a14:hiddenEffects xmlns="" xmlns:a14="http://schemas.microsoft.com/office/drawing/2010/main">
                 <a:effectLst>
                   <a:outerShdw dist="35921" dir="2700000" algn="ctr" rotWithShape="0">
                     <a:schemeClr val="bg2"/>
@@ -5069,14 +5069,14 @@
           </a:ln>
           <a:extLst>
             <a:ext uri="{909E8E84-426E-40dd-AFC4-6F175D3DCCD1}">
-              <a14:hiddenFill xmlns="" xmlns:a14="http://schemas.microsoft.com/office/drawing/2010/main">
+              <a14:hiddenFill xmlns:a14="http://schemas.microsoft.com/office/drawing/2010/main" xmlns="">
                 <a:solidFill>
                   <a:srgbClr val="FFFFFF"/>
                 </a:solidFill>
               </a14:hiddenFill>
             </a:ext>
             <a:ext uri="{91240B29-F687-4f45-9708-019B960494DF}">
-              <a14:hiddenLine xmlns="" xmlns:a14="http://schemas.microsoft.com/office/drawing/2010/main" w="9525">
+              <a14:hiddenLine xmlns:a14="http://schemas.microsoft.com/office/drawing/2010/main" xmlns="" w="9525">
                 <a:solidFill>
                   <a:srgbClr val="000000"/>
                 </a:solidFill>
@@ -5648,66 +5648,177 @@
           <a:bodyPr/>
           <a:lstStyle/>
           <a:p>
-            <a:r>
-              <a:rPr lang="en-US" dirty="0"/>
-              <a:t>Statement of the problem, why it matters and to whom</a:t>
-            </a:r>
-          </a:p>
-          <a:p>
-            <a:endParaRPr lang="en-US" dirty="0"/>
-          </a:p>
-          <a:p>
-            <a:r>
-              <a:rPr lang="en-US" dirty="0"/>
-              <a:t>Explain why the problem is hard to solve, and why others haven’t adequately tackled this problem. Describe briefly the approaches already taken to solve the problem.</a:t>
-            </a:r>
-          </a:p>
-          <a:p>
-            <a:endParaRPr lang="en-US" dirty="0"/>
+            <a:pPr marL="457200" indent="-457200">
+              <a:buClrTx/>
+              <a:buFont typeface="Arial" charset="0"/>
+              <a:buChar char="•"/>
+            </a:pPr>
+            <a:r>
+              <a:rPr lang="en-US" sz="1800" b="1" dirty="0" smtClean="0"/>
+              <a:t>Problem Statement</a:t>
+            </a:r>
+          </a:p>
+          <a:p>
+            <a:pPr marL="857250" lvl="1" indent="-457200">
+              <a:buClrTx/>
+              <a:buFont typeface="Arial" charset="0"/>
+              <a:buChar char="•"/>
+            </a:pPr>
+            <a:r>
+              <a:rPr lang="en-US" sz="1600" b="1" dirty="0" smtClean="0"/>
+              <a:t>Creative </a:t>
+            </a:r>
+            <a:r>
+              <a:rPr lang="en-US" sz="1600" b="1" dirty="0"/>
+              <a:t>combination </a:t>
+            </a:r>
+            <a:r>
+              <a:rPr lang="en-US" sz="1600" dirty="0"/>
+              <a:t>of ingredients can be difficult for most people who lack cooking experience.</a:t>
+            </a:r>
+          </a:p>
+          <a:p>
+            <a:pPr marL="857250" lvl="1" indent="-457200">
+              <a:buClrTx/>
+              <a:buFont typeface="Arial" charset="0"/>
+              <a:buChar char="•"/>
+            </a:pPr>
+            <a:r>
+              <a:rPr lang="en-US" sz="1600" dirty="0"/>
+              <a:t>With help of </a:t>
+            </a:r>
+            <a:r>
+              <a:rPr lang="en-US" sz="1600" b="1" dirty="0"/>
+              <a:t>machine learning </a:t>
+            </a:r>
+            <a:r>
+              <a:rPr lang="en-US" sz="1600" dirty="0"/>
+              <a:t>(and a lot of data), a model can generate </a:t>
+            </a:r>
+            <a:r>
+              <a:rPr lang="en-US" sz="1600" b="1" dirty="0"/>
+              <a:t>new recipes </a:t>
+            </a:r>
+            <a:r>
+              <a:rPr lang="en-US" sz="1600" dirty="0"/>
+              <a:t>for them to experiment with.</a:t>
+            </a:r>
+            <a:endParaRPr lang="en-US" sz="1600" dirty="0"/>
+          </a:p>
+          <a:p>
+            <a:pPr marL="457200" indent="-457200">
+              <a:buClrTx/>
+              <a:buFont typeface="Arial" charset="0"/>
+              <a:buChar char="•"/>
+            </a:pPr>
+            <a:r>
+              <a:rPr lang="en-US" sz="1800" b="1" dirty="0"/>
+              <a:t>Difficulty </a:t>
+            </a:r>
+            <a:endParaRPr lang="en-US" sz="1800" b="1" dirty="0" smtClean="0"/>
+          </a:p>
+          <a:p>
+            <a:pPr marL="857250" lvl="1" indent="-457200">
+              <a:buClrTx/>
+              <a:buFont typeface="Arial" charset="0"/>
+              <a:buChar char="•"/>
+            </a:pPr>
+            <a:r>
+              <a:rPr lang="en-US" sz="1600" dirty="0" smtClean="0"/>
+              <a:t>Current </a:t>
+            </a:r>
+            <a:r>
+              <a:rPr lang="en-US" sz="1600" dirty="0"/>
+              <a:t>machine learning models are effective at copying and regurgitating inputs.</a:t>
+            </a:r>
+          </a:p>
+          <a:p>
+            <a:pPr marL="857250" lvl="1" indent="-457200">
+              <a:buClrTx/>
+              <a:buFont typeface="Arial" charset="0"/>
+              <a:buChar char="•"/>
+            </a:pPr>
+            <a:r>
+              <a:rPr lang="en-US" sz="1600" b="1" dirty="0"/>
+              <a:t>Generating original output </a:t>
+            </a:r>
+            <a:r>
+              <a:rPr lang="en-US" sz="1600" dirty="0"/>
+              <a:t>from those inputs can be bit more </a:t>
+            </a:r>
+            <a:r>
+              <a:rPr lang="en-US" sz="1600" b="1" dirty="0"/>
+              <a:t>problematic</a:t>
+            </a:r>
+            <a:r>
+              <a:rPr lang="en-US" sz="1600" dirty="0"/>
+              <a:t>. </a:t>
+            </a:r>
+            <a:endParaRPr lang="en-US" sz="1600" dirty="0" smtClean="0"/>
+          </a:p>
+          <a:p>
+            <a:pPr marL="457200" indent="-457200">
+              <a:buClrTx/>
+              <a:buFont typeface="Arial" charset="0"/>
+              <a:buChar char="•"/>
+            </a:pPr>
+            <a:r>
+              <a:rPr lang="en-US" sz="1800" b="1" dirty="0"/>
+              <a:t>Other approaches</a:t>
+            </a:r>
+            <a:endParaRPr lang="en-US" sz="1800" dirty="0" smtClean="0"/>
+          </a:p>
+          <a:p>
+            <a:pPr marL="857250" lvl="1" indent="-457200">
+              <a:buClrTx/>
+              <a:buFont typeface="Arial" charset="0"/>
+              <a:buChar char="•"/>
+            </a:pPr>
+            <a:r>
+              <a:rPr lang="en-US" sz="1600" dirty="0" smtClean="0"/>
+              <a:t>Models </a:t>
+            </a:r>
+            <a:r>
+              <a:rPr lang="en-US" sz="1600" dirty="0"/>
+              <a:t>have been trained on a very general set of recipes including multiple types of food (both savory and sweet recipes).</a:t>
+            </a:r>
+          </a:p>
+          <a:p>
+            <a:pPr marL="857250" lvl="1" indent="-457200">
+              <a:buClrTx/>
+              <a:buFont typeface="Arial" charset="0"/>
+              <a:buChar char="•"/>
+            </a:pPr>
+            <a:r>
+              <a:rPr lang="en-US" sz="1600" dirty="0"/>
+              <a:t>Some common ingredient like salt appears in recipes as varied as cakes, burgers and pizzas, confusing the model. </a:t>
+            </a:r>
+          </a:p>
+          <a:p>
+            <a:pPr marL="857250" lvl="1" indent="-457200">
+              <a:buClrTx/>
+              <a:buFont typeface="Arial" charset="0"/>
+              <a:buChar char="•"/>
+            </a:pPr>
+            <a:r>
+              <a:rPr lang="en-US" sz="1600" dirty="0"/>
+              <a:t>Models trained with both directions and ingredients adds to the complexity and the models focused on learning format rather than content. </a:t>
+            </a:r>
+          </a:p>
+          <a:p>
+            <a:pPr marL="857250" lvl="1" indent="-457200">
+              <a:buClrTx/>
+              <a:buFont typeface="Arial" charset="0"/>
+              <a:buChar char="•"/>
+            </a:pPr>
+            <a:r>
+              <a:rPr lang="en-US" sz="1600" dirty="0"/>
+              <a:t>Most previous models have utilized character-level generation, which is the most granular and difficult level of generation with regard to text.</a:t>
+            </a:r>
+            <a:endParaRPr lang="en-US" sz="1600" dirty="0"/>
           </a:p>
         </p:txBody>
       </p:sp>
-      <p:pic>
-        <p:nvPicPr>
-          <p:cNvPr id="4" name="Picture 4" descr="http://karpathy.github.io/assets/cifar_preview.png"/>
-          <p:cNvPicPr>
-            <a:picLocks noChangeAspect="1" noChangeArrowheads="1"/>
-          </p:cNvPicPr>
-          <p:nvPr/>
-        </p:nvPicPr>
-        <p:blipFill>
-          <a:blip r:embed="rId2">
-            <a:extLst>
-              <a:ext uri="{28A0092B-C50C-407E-A947-70E740481C1C}">
-                <a14:useLocalDpi xmlns:a14="http://schemas.microsoft.com/office/drawing/2010/main"/>
-              </a:ext>
-            </a:extLst>
-          </a:blip>
-          <a:srcRect/>
-          <a:stretch>
-            <a:fillRect/>
-          </a:stretch>
-        </p:blipFill>
-        <p:spPr bwMode="auto">
-          <a:xfrm>
-            <a:off x="3581400" y="4419600"/>
-            <a:ext cx="2652345" cy="2050552"/>
-          </a:xfrm>
-          <a:prstGeom prst="rect">
-            <a:avLst/>
-          </a:prstGeom>
-          <a:noFill/>
-          <a:extLst>
-            <a:ext uri="{909E8E84-426E-40DD-AFC4-6F175D3DCCD1}">
-              <a14:hiddenFill xmlns:a14="http://schemas.microsoft.com/office/drawing/2010/main">
-                <a:solidFill>
-                  <a:srgbClr val="FFFFFF"/>
-                </a:solidFill>
-              </a14:hiddenFill>
-            </a:ext>
-          </a:extLst>
-        </p:spPr>
-      </p:pic>
     </p:spTree>
     <p:extLst>
       <p:ext uri="{BB962C8B-B14F-4D97-AF65-F5344CB8AC3E}">
@@ -6006,7 +6117,12 @@
             <p:ph idx="1"/>
           </p:nvPr>
         </p:nvSpPr>
-        <p:spPr/>
+        <p:spPr>
+          <a:xfrm>
+            <a:off x="228600" y="1447800"/>
+            <a:ext cx="8686800" cy="5029200"/>
+          </a:xfrm>
+        </p:spPr>
         <p:txBody>
           <a:bodyPr/>
           <a:lstStyle/>
@@ -6072,102 +6188,155 @@
                 <a:spcPct val="0"/>
               </a:spcBef>
               <a:spcAft>
+                <a:spcPts val="0"/>
+              </a:spcAft>
+              <a:buFont typeface="Arial" charset="0"/>
+              <a:buChar char="•"/>
+            </a:pPr>
+            <a:r>
+              <a:rPr lang="en-US" sz="2000" dirty="0" smtClean="0"/>
+              <a:t>Embedding </a:t>
+            </a:r>
+            <a:r>
+              <a:rPr lang="en-US" sz="2000" dirty="0" smtClean="0"/>
+              <a:t>Choice</a:t>
+            </a:r>
+          </a:p>
+          <a:p>
+            <a:pPr lvl="1">
+              <a:spcBef>
+                <a:spcPts val="0"/>
+              </a:spcBef>
+              <a:buFont typeface="Arial" charset="0"/>
+              <a:buChar char="•"/>
+            </a:pPr>
+            <a:r>
+              <a:rPr lang="en-US" sz="1700" dirty="0" smtClean="0"/>
+              <a:t>Use phrase2vec with different levels of embedding: </a:t>
+            </a:r>
+          </a:p>
+          <a:p>
+            <a:pPr marL="1306220" lvl="2" indent="-342900">
+              <a:buFont typeface="Arial" charset="0"/>
+              <a:buChar char="•"/>
+            </a:pPr>
+            <a:r>
+              <a:rPr lang="en-US" sz="1700" dirty="0" smtClean="0"/>
+              <a:t>character-level</a:t>
+            </a:r>
+            <a:endParaRPr lang="en-US" sz="1700" dirty="0"/>
+          </a:p>
+          <a:p>
+            <a:pPr marL="1306220" lvl="2" indent="-342900">
+              <a:buFont typeface="Arial" charset="0"/>
+              <a:buChar char="•"/>
+            </a:pPr>
+            <a:r>
+              <a:rPr lang="en-US" sz="1700" dirty="0"/>
+              <a:t>word-level</a:t>
+            </a:r>
+          </a:p>
+          <a:p>
+            <a:pPr marL="1306220" lvl="2" indent="-342900">
+              <a:buFont typeface="Arial" charset="0"/>
+              <a:buChar char="•"/>
+            </a:pPr>
+            <a:r>
+              <a:rPr lang="en-US" sz="1700" dirty="0" smtClean="0"/>
+              <a:t>phrase-level</a:t>
+            </a:r>
+            <a:endParaRPr lang="en-US" sz="1700" dirty="0"/>
+          </a:p>
+          <a:p>
+            <a:pPr lvl="1">
+              <a:buFont typeface="Arial" charset="0"/>
+              <a:buChar char="•"/>
+            </a:pPr>
+            <a:r>
+              <a:rPr lang="en-US" sz="1700" dirty="0"/>
+              <a:t>For character-level, used a sentence of length 40 and a moving frame. For word- and phrase-level, used a sentence of length 50. </a:t>
+            </a:r>
+            <a:endParaRPr lang="en-US" sz="1700" dirty="0" smtClean="0"/>
+          </a:p>
+          <a:p>
+            <a:r>
+              <a:rPr lang="en-US" sz="2000" dirty="0"/>
+              <a:t>Model </a:t>
+            </a:r>
+            <a:r>
+              <a:rPr lang="en-US" sz="2000" dirty="0" smtClean="0"/>
+              <a:t>evaluation</a:t>
+            </a:r>
+            <a:endParaRPr lang="en-US" sz="2000" dirty="0"/>
+          </a:p>
+          <a:p>
+            <a:pPr lvl="1">
+              <a:buFont typeface="Arial" charset="0"/>
+              <a:buChar char="•"/>
+            </a:pPr>
+            <a:r>
+              <a:rPr lang="en-US" sz="1600" dirty="0"/>
+              <a:t>Ran the code with each levels of the embedding for 100 </a:t>
+            </a:r>
+            <a:r>
+              <a:rPr lang="en-US" sz="1600" dirty="0" smtClean="0"/>
+              <a:t>epochs</a:t>
+            </a:r>
+            <a:endParaRPr lang="en-US" sz="1600" dirty="0"/>
+          </a:p>
+          <a:p>
+            <a:pPr lvl="1">
+              <a:buFont typeface="Arial" charset="0"/>
+              <a:buChar char="•"/>
+            </a:pPr>
+            <a:r>
+              <a:rPr lang="en-US" sz="1600" dirty="0"/>
+              <a:t>Evaluate model success by looking at the novel recipes generated by the </a:t>
+            </a:r>
+            <a:r>
+              <a:rPr lang="en-US" sz="1600" dirty="0" smtClean="0"/>
+              <a:t>mode</a:t>
+            </a:r>
+          </a:p>
+          <a:p>
+            <a:pPr>
+              <a:buFont typeface="Arial" charset="0"/>
+              <a:buChar char="•"/>
+            </a:pPr>
+            <a:r>
+              <a:rPr lang="en-US" sz="2000" dirty="0" smtClean="0"/>
+              <a:t>Parameter Tuning </a:t>
+            </a:r>
+          </a:p>
+          <a:p>
+            <a:pPr lvl="1" defTabSz="1022350">
+              <a:lnSpc>
+                <a:spcPct val="90000"/>
+              </a:lnSpc>
+              <a:spcBef>
+                <a:spcPct val="0"/>
+              </a:spcBef>
+              <a:spcAft>
                 <a:spcPct val="35000"/>
               </a:spcAft>
               <a:buFont typeface="Arial" charset="0"/>
               <a:buChar char="•"/>
             </a:pPr>
             <a:r>
-              <a:rPr lang="en-US" sz="2000" dirty="0" smtClean="0"/>
-              <a:t>Embedding Choice</a:t>
-            </a:r>
-          </a:p>
-          <a:p>
-            <a:pPr lvl="1">
-              <a:buFont typeface="Arial" charset="0"/>
-              <a:buChar char="•"/>
-            </a:pPr>
-            <a:r>
-              <a:rPr lang="en-US" sz="1700" dirty="0"/>
-              <a:t>Use phrase2vec with different levels of embedding: </a:t>
-            </a:r>
-          </a:p>
-          <a:p>
-            <a:pPr marL="1306220" lvl="2" indent="-342900">
-              <a:buFont typeface="Arial" charset="0"/>
-              <a:buChar char="•"/>
-            </a:pPr>
-            <a:r>
-              <a:rPr lang="en-US" sz="1700" dirty="0"/>
-              <a:t>character-level</a:t>
-            </a:r>
-          </a:p>
-          <a:p>
-            <a:pPr marL="1306220" lvl="2" indent="-342900">
-              <a:buFont typeface="Arial" charset="0"/>
-              <a:buChar char="•"/>
-            </a:pPr>
-            <a:r>
-              <a:rPr lang="en-US" sz="1700" dirty="0"/>
-              <a:t>word-level</a:t>
-            </a:r>
-          </a:p>
-          <a:p>
-            <a:pPr marL="1306220" lvl="2" indent="-342900">
-              <a:buFont typeface="Arial" charset="0"/>
-              <a:buChar char="•"/>
-            </a:pPr>
-            <a:r>
-              <a:rPr lang="en-US" sz="1700" dirty="0" smtClean="0"/>
-              <a:t>phrase-level</a:t>
-            </a:r>
-            <a:endParaRPr lang="en-US" sz="1700" dirty="0"/>
-          </a:p>
-          <a:p>
-            <a:pPr lvl="1">
-              <a:buFont typeface="Arial" charset="0"/>
-              <a:buChar char="•"/>
-            </a:pPr>
-            <a:r>
-              <a:rPr lang="en-US" sz="1700" dirty="0"/>
-              <a:t>For character-level, used a sentence of length 40 and a moving frame. For word- and phrase-level, used a sentence of length 50. </a:t>
-            </a:r>
-            <a:endParaRPr lang="en-US" sz="1700" dirty="0" smtClean="0"/>
-          </a:p>
-          <a:p>
-            <a:r>
-              <a:rPr lang="en-US" sz="2000" dirty="0"/>
-              <a:t>Model </a:t>
-            </a:r>
-            <a:r>
-              <a:rPr lang="en-US" sz="2000" dirty="0" smtClean="0"/>
-              <a:t>evaluation</a:t>
-            </a:r>
-            <a:endParaRPr lang="en-US" sz="2000" dirty="0"/>
-          </a:p>
-          <a:p>
-            <a:pPr lvl="1">
-              <a:buFont typeface="Arial" charset="0"/>
-              <a:buChar char="•"/>
-            </a:pPr>
+              <a:rPr lang="en-US" sz="1600" dirty="0" smtClean="0"/>
+              <a:t>Compared GRU, LSTM, adjusted number of layers (2 or 3), adjusted hidden neurons (128, 256, 512), and </a:t>
+            </a:r>
             <a:r>
               <a:rPr lang="en-US" sz="1600" dirty="0"/>
-              <a:t>Ran the code with each levels of the embedding for 100 </a:t>
+              <a:t>c</a:t>
             </a:r>
             <a:r>
               <a:rPr lang="en-US" sz="1600" dirty="0" smtClean="0"/>
-              <a:t>epochs</a:t>
-            </a:r>
-            <a:endParaRPr lang="en-US" sz="1600" dirty="0"/>
-          </a:p>
-          <a:p>
-            <a:pPr lvl="1">
-              <a:buFont typeface="Arial" charset="0"/>
-              <a:buChar char="•"/>
-            </a:pPr>
+              <a:t>onsidered bi-directional LSTM</a:t>
+            </a:r>
             <a:r>
               <a:rPr lang="en-US" sz="1600" dirty="0"/>
-              <a:t>Evaluate model success by looking at the novel recipes generated by the mode</a:t>
+              <a:t/>
             </a:r>
             <a:br>
               <a:rPr lang="en-US" sz="1600" dirty="0"/>
@@ -6470,7 +6639,6 @@
               <a:rPr lang="en-US" dirty="0"/>
               <a:t>3</a:t>
             </a:r>
-            <a:endParaRPr lang="en-US" dirty="0"/>
           </a:p>
         </p:txBody>
       </p:sp>
@@ -6510,17 +6678,267 @@
               <a:buChar char="•"/>
             </a:pPr>
             <a:r>
-              <a:rPr lang="en-US" sz="2000" dirty="0"/>
+              <a:rPr lang="en-US" altLang="zh-CN" sz="2000" dirty="0" smtClean="0"/>
+              <a:t>Dynamic</a:t>
+            </a:r>
+            <a:r>
+              <a:rPr lang="zh-CN" altLang="en-US" sz="2000" dirty="0" smtClean="0"/>
+              <a:t> </a:t>
+            </a:r>
+            <a:r>
+              <a:rPr lang="en-US" sz="2000" dirty="0" smtClean="0"/>
               <a:t>Convolutional NN: </a:t>
             </a:r>
             <a:r>
-              <a:rPr lang="en-US" dirty="0"/>
+              <a:rPr lang="en-US" altLang="zh-CN" sz="2000" dirty="0" smtClean="0"/>
+              <a:t>the</a:t>
+            </a:r>
+            <a:r>
+              <a:rPr lang="zh-CN" altLang="en-US" sz="2000" dirty="0" smtClean="0"/>
+              <a:t> </a:t>
+            </a:r>
+            <a:r>
+              <a:rPr lang="en-US" altLang="zh-CN" sz="2000" dirty="0" smtClean="0"/>
+              <a:t>connectivity</a:t>
+            </a:r>
+            <a:r>
+              <a:rPr lang="zh-CN" altLang="en-US" sz="2000" dirty="0" smtClean="0"/>
+              <a:t> </a:t>
+            </a:r>
+            <a:r>
+              <a:rPr lang="en-US" altLang="zh-CN" sz="2000" dirty="0" smtClean="0"/>
+              <a:t>pattern</a:t>
+            </a:r>
+            <a:r>
+              <a:rPr lang="zh-CN" altLang="en-US" sz="2000" dirty="0" smtClean="0"/>
+              <a:t> </a:t>
+            </a:r>
+            <a:r>
+              <a:rPr lang="en-US" altLang="zh-CN" sz="2000" dirty="0" smtClean="0"/>
+              <a:t>between</a:t>
+            </a:r>
+            <a:r>
+              <a:rPr lang="zh-CN" altLang="en-US" sz="2000" dirty="0" smtClean="0"/>
+              <a:t> </a:t>
+            </a:r>
+            <a:r>
+              <a:rPr lang="en-US" altLang="zh-CN" sz="2000" dirty="0" smtClean="0"/>
+              <a:t>its</a:t>
+            </a:r>
+            <a:r>
+              <a:rPr lang="zh-CN" altLang="en-US" sz="2000" dirty="0" smtClean="0"/>
+              <a:t> </a:t>
+            </a:r>
+            <a:r>
+              <a:rPr lang="en-US" altLang="zh-CN" sz="2000" dirty="0" smtClean="0"/>
+              <a:t>neurons</a:t>
+            </a:r>
+            <a:r>
+              <a:rPr lang="zh-CN" altLang="en-US" sz="2000" dirty="0" smtClean="0"/>
+              <a:t> </a:t>
+            </a:r>
+            <a:r>
+              <a:rPr lang="en-US" altLang="zh-CN" sz="2000" dirty="0" smtClean="0"/>
+              <a:t>is</a:t>
+            </a:r>
+            <a:r>
+              <a:rPr lang="zh-CN" altLang="en-US" sz="2000" dirty="0" smtClean="0"/>
+              <a:t> </a:t>
+            </a:r>
+            <a:r>
+              <a:rPr lang="en-US" altLang="zh-CN" sz="2000" dirty="0" smtClean="0"/>
+              <a:t>just</a:t>
+            </a:r>
+            <a:r>
+              <a:rPr lang="zh-CN" altLang="en-US" sz="2000" dirty="0" smtClean="0"/>
+              <a:t> </a:t>
+            </a:r>
+            <a:r>
+              <a:rPr lang="en-US" altLang="zh-CN" sz="2000" dirty="0" smtClean="0"/>
+              <a:t>like</a:t>
+            </a:r>
+            <a:r>
+              <a:rPr lang="zh-CN" altLang="en-US" sz="2000" dirty="0" smtClean="0"/>
+              <a:t> </a:t>
+            </a:r>
+            <a:r>
+              <a:rPr lang="en-US" altLang="zh-CN" sz="2000" dirty="0" smtClean="0"/>
+              <a:t>animal</a:t>
+            </a:r>
+            <a:r>
+              <a:rPr lang="zh-CN" altLang="en-US" sz="2000" dirty="0" smtClean="0"/>
+              <a:t> </a:t>
+            </a:r>
+            <a:r>
+              <a:rPr lang="en-US" altLang="zh-CN" sz="2000" dirty="0" smtClean="0"/>
+              <a:t>visual</a:t>
+            </a:r>
+            <a:r>
+              <a:rPr lang="zh-CN" altLang="en-US" sz="2000" dirty="0" smtClean="0"/>
+              <a:t> </a:t>
+            </a:r>
+            <a:r>
+              <a:rPr lang="en-US" altLang="zh-CN" sz="2000" dirty="0" smtClean="0"/>
+              <a:t>cortex.</a:t>
+            </a:r>
+            <a:r>
+              <a:rPr lang="zh-CN" altLang="en-US" sz="2000" dirty="0" smtClean="0"/>
+              <a:t> </a:t>
+            </a:r>
+            <a:r>
+              <a:rPr lang="en-US" altLang="zh-CN" sz="2000" dirty="0" smtClean="0"/>
+              <a:t>This</a:t>
+            </a:r>
+            <a:r>
+              <a:rPr lang="zh-CN" altLang="en-US" sz="2000" dirty="0" smtClean="0"/>
+              <a:t> </a:t>
+            </a:r>
+            <a:r>
+              <a:rPr lang="en-US" altLang="zh-CN" sz="2000" dirty="0" smtClean="0"/>
+              <a:t>network</a:t>
+            </a:r>
+            <a:r>
+              <a:rPr lang="zh-CN" altLang="en-US" sz="2000" dirty="0" smtClean="0"/>
+              <a:t> </a:t>
+            </a:r>
+            <a:r>
+              <a:rPr lang="en-US" altLang="zh-CN" sz="2000" dirty="0" smtClean="0"/>
+              <a:t>can</a:t>
+            </a:r>
+            <a:r>
+              <a:rPr lang="zh-CN" altLang="en-US" sz="2000" dirty="0" smtClean="0"/>
+              <a:t> </a:t>
+            </a:r>
+            <a:r>
+              <a:rPr lang="en-US" altLang="zh-CN" sz="2000" dirty="0" smtClean="0"/>
+              <a:t>be</a:t>
+            </a:r>
+            <a:r>
+              <a:rPr lang="zh-CN" altLang="en-US" sz="2000" dirty="0" smtClean="0"/>
+              <a:t> </a:t>
+            </a:r>
+            <a:r>
+              <a:rPr lang="en-US" altLang="zh-CN" sz="2000" dirty="0" smtClean="0"/>
+              <a:t>used</a:t>
+            </a:r>
+            <a:r>
+              <a:rPr lang="zh-CN" altLang="en-US" sz="2000" dirty="0" smtClean="0"/>
+              <a:t> </a:t>
+            </a:r>
+            <a:r>
+              <a:rPr lang="en-US" altLang="zh-CN" sz="2000" dirty="0" smtClean="0"/>
+              <a:t>to</a:t>
+            </a:r>
+            <a:r>
+              <a:rPr lang="zh-CN" altLang="en-US" sz="2000" dirty="0" smtClean="0"/>
+              <a:t> </a:t>
+            </a:r>
+            <a:r>
+              <a:rPr lang="en-US" altLang="zh-CN" sz="2000" dirty="0" smtClean="0"/>
+              <a:t>do</a:t>
+            </a:r>
+            <a:r>
+              <a:rPr lang="zh-CN" altLang="en-US" sz="2000" dirty="0" smtClean="0"/>
+              <a:t> </a:t>
+            </a:r>
+            <a:r>
+              <a:rPr lang="en-US" altLang="zh-CN" sz="2000" dirty="0" smtClean="0"/>
+              <a:t>sentence</a:t>
+            </a:r>
+            <a:r>
+              <a:rPr lang="zh-CN" altLang="en-US" sz="2000" dirty="0" smtClean="0"/>
+              <a:t> </a:t>
+            </a:r>
+            <a:r>
+              <a:rPr lang="en-US" altLang="zh-CN" sz="2000" dirty="0" smtClean="0"/>
+              <a:t>modeling.</a:t>
+            </a:r>
+            <a:r>
+              <a:rPr lang="zh-CN" altLang="en-US" sz="2000" dirty="0" smtClean="0"/>
+              <a:t> </a:t>
+            </a:r>
+            <a:r>
+              <a:rPr lang="en-US" altLang="zh-CN" sz="2000" dirty="0" smtClean="0"/>
               <a:t/>
             </a:r>
             <a:br>
-              <a:rPr lang="en-US" dirty="0"/>
+              <a:rPr lang="en-US" altLang="zh-CN" sz="2000" dirty="0" smtClean="0"/>
             </a:br>
-            <a:endParaRPr lang="en-US" dirty="0"/>
+            <a:r>
+              <a:rPr lang="en-US" altLang="zh-CN" sz="2000" dirty="0" smtClean="0"/>
+              <a:t/>
+            </a:r>
+            <a:br>
+              <a:rPr lang="en-US" altLang="zh-CN" sz="2000" dirty="0" smtClean="0"/>
+            </a:br>
+            <a:r>
+              <a:rPr lang="en-US" altLang="zh-CN" sz="2000" dirty="0" smtClean="0"/>
+              <a:t/>
+            </a:r>
+            <a:br>
+              <a:rPr lang="en-US" altLang="zh-CN" sz="2000" dirty="0" smtClean="0"/>
+            </a:br>
+            <a:r>
+              <a:rPr lang="en-US" altLang="zh-CN" sz="2000" dirty="0" smtClean="0"/>
+              <a:t/>
+            </a:r>
+            <a:br>
+              <a:rPr lang="en-US" altLang="zh-CN" sz="2000" dirty="0" smtClean="0"/>
+            </a:br>
+            <a:r>
+              <a:rPr lang="en-US" altLang="zh-CN" sz="2000" dirty="0" smtClean="0"/>
+              <a:t/>
+            </a:r>
+            <a:br>
+              <a:rPr lang="en-US" altLang="zh-CN" sz="2000" dirty="0" smtClean="0"/>
+            </a:br>
+            <a:r>
+              <a:rPr lang="en-US" altLang="zh-CN" sz="2000" dirty="0" smtClean="0"/>
+              <a:t/>
+            </a:r>
+            <a:br>
+              <a:rPr lang="en-US" altLang="zh-CN" sz="2000" dirty="0" smtClean="0"/>
+            </a:br>
+            <a:r>
+              <a:rPr lang="en-US" altLang="zh-CN" sz="2000" dirty="0" smtClean="0"/>
+              <a:t/>
+            </a:r>
+            <a:br>
+              <a:rPr lang="en-US" altLang="zh-CN" sz="2000" dirty="0" smtClean="0"/>
+            </a:br>
+            <a:r>
+              <a:rPr lang="en-US" altLang="zh-CN" sz="2000" dirty="0" smtClean="0"/>
+              <a:t/>
+            </a:r>
+            <a:br>
+              <a:rPr lang="en-US" altLang="zh-CN" sz="2000" dirty="0" smtClean="0"/>
+            </a:br>
+            <a:endParaRPr lang="en-US" altLang="zh-CN" sz="2000" dirty="0" smtClean="0"/>
+          </a:p>
+          <a:p>
+            <a:pPr marL="0" indent="0" algn="ctr">
+              <a:buNone/>
+            </a:pPr>
+            <a:r>
+              <a:rPr lang="en-US" sz="1400" dirty="0" smtClean="0"/>
+              <a:t>Figure </a:t>
+            </a:r>
+            <a:r>
+              <a:rPr lang="en-US" sz="1400" dirty="0"/>
+              <a:t>3 The structures of our </a:t>
+            </a:r>
+            <a:r>
+              <a:rPr lang="en-US" sz="1400" dirty="0" smtClean="0"/>
+              <a:t>models</a:t>
+            </a:r>
+            <a:r>
+              <a:rPr lang="en-US" sz="1800" dirty="0" smtClean="0"/>
+              <a:t/>
+            </a:r>
+            <a:br>
+              <a:rPr lang="en-US" sz="1800" dirty="0" smtClean="0"/>
+            </a:br>
+            <a:endParaRPr lang="en-US" sz="1800" dirty="0" smtClean="0"/>
           </a:p>
           <a:p>
             <a:endParaRPr lang="en-US" dirty="0" smtClean="0"/>
@@ -6552,7 +6970,7 @@
         </p:blipFill>
         <p:spPr>
           <a:xfrm>
-            <a:off x="3067050" y="3657600"/>
+            <a:off x="3067050" y="3924300"/>
             <a:ext cx="3009900" cy="2400300"/>
           </a:xfrm>
           <a:prstGeom prst="rect">
@@ -7242,7 +7660,7 @@
         <a:effectLst/>
         <a:extLst>
           <a:ext uri="{AF507438-7753-43e0-B8FC-AC1667EBCBE1}">
-            <a14:hiddenEffects xmlns:a14="http://schemas.microsoft.com/office/drawing/2010/main" xmlns="">
+            <a14:hiddenEffects xmlns="" xmlns:a14="http://schemas.microsoft.com/office/drawing/2010/main">
               <a:effectLst>
                 <a:outerShdw dist="35921" dir="2700000" algn="ctr" rotWithShape="0">
                   <a:schemeClr val="bg2"/>
@@ -7315,7 +7733,7 @@
         <a:effectLst/>
         <a:extLst>
           <a:ext uri="{AF507438-7753-43e0-B8FC-AC1667EBCBE1}">
-            <a14:hiddenEffects xmlns:a14="http://schemas.microsoft.com/office/drawing/2010/main" xmlns="">
+            <a14:hiddenEffects xmlns="" xmlns:a14="http://schemas.microsoft.com/office/drawing/2010/main">
               <a:effectLst>
                 <a:outerShdw dist="35921" dir="2700000" algn="ctr" rotWithShape="0">
                   <a:schemeClr val="bg2"/>

--- a/Final Presentation Template.pptx
+++ b/Final Presentation Template.pptx
@@ -5,10 +5,10 @@
     <p:sldMasterId id="2147484056" r:id="rId1"/>
   </p:sldMasterIdLst>
   <p:notesMasterIdLst>
-    <p:notesMasterId r:id="rId13"/>
+    <p:notesMasterId r:id="rId14"/>
   </p:notesMasterIdLst>
   <p:handoutMasterIdLst>
-    <p:handoutMasterId r:id="rId14"/>
+    <p:handoutMasterId r:id="rId15"/>
   </p:handoutMasterIdLst>
   <p:sldIdLst>
     <p:sldId id="256" r:id="rId2"/>
@@ -19,9 +19,10 @@
     <p:sldId id="260" r:id="rId7"/>
     <p:sldId id="265" r:id="rId8"/>
     <p:sldId id="261" r:id="rId9"/>
-    <p:sldId id="266" r:id="rId10"/>
-    <p:sldId id="262" r:id="rId11"/>
-    <p:sldId id="263" r:id="rId12"/>
+    <p:sldId id="269" r:id="rId10"/>
+    <p:sldId id="266" r:id="rId11"/>
+    <p:sldId id="262" r:id="rId12"/>
+    <p:sldId id="263" r:id="rId13"/>
   </p:sldIdLst>
   <p:sldSz cx="9144000" cy="6858000" type="screen4x3"/>
   <p:notesSz cx="6881813" cy="9296400"/>
@@ -163,6 +164,7 @@
             <p14:sldId id="260"/>
             <p14:sldId id="265"/>
             <p14:sldId id="261"/>
+            <p14:sldId id="269"/>
             <p14:sldId id="266"/>
             <p14:sldId id="262"/>
             <p14:sldId id="263"/>
@@ -260,996 +262,6 @@
     </pc:docChg>
   </pc:docChgLst>
 </pc:chgInfo>
-</file>
-
-<file path=ppt/charts/chart1.xml><?xml version="1.0" encoding="utf-8"?>
-<c:chartSpace xmlns:c="http://schemas.openxmlformats.org/drawingml/2006/chart" xmlns:a="http://schemas.openxmlformats.org/drawingml/2006/main" xmlns:r="http://schemas.openxmlformats.org/officeDocument/2006/relationships">
-  <c:date1904 val="0"/>
-  <c:lang val="en-US"/>
-  <c:roundedCorners val="0"/>
-  <mc:AlternateContent xmlns:mc="http://schemas.openxmlformats.org/markup-compatibility/2006">
-    <mc:Choice xmlns:c14="http://schemas.microsoft.com/office/drawing/2007/8/2/chart" Requires="c14">
-      <c14:style val="102"/>
-    </mc:Choice>
-    <mc:Fallback>
-      <c:style val="2"/>
-    </mc:Fallback>
-  </mc:AlternateContent>
-  <c:chart>
-    <c:title>
-      <c:layout/>
-      <c:overlay val="0"/>
-      <c:spPr>
-        <a:noFill/>
-        <a:ln>
-          <a:noFill/>
-        </a:ln>
-        <a:effectLst/>
-      </c:spPr>
-      <c:txPr>
-        <a:bodyPr rot="0" spcFirstLastPara="1" vertOverflow="ellipsis" vert="horz" wrap="square" anchor="ctr" anchorCtr="1"/>
-        <a:lstStyle/>
-        <a:p>
-          <a:pPr>
-            <a:defRPr sz="2128" b="0" i="0" u="none" strike="noStrike" kern="1200" cap="none" spc="50" normalizeH="0" baseline="0">
-              <a:solidFill>
-                <a:schemeClr val="tx1">
-                  <a:lumMod val="65000"/>
-                  <a:lumOff val="35000"/>
-                </a:schemeClr>
-              </a:solidFill>
-              <a:latin typeface="+mj-lt"/>
-              <a:ea typeface="+mj-ea"/>
-              <a:cs typeface="+mj-cs"/>
-            </a:defRPr>
-          </a:pPr>
-          <a:endParaRPr lang="en-US"/>
-        </a:p>
-      </c:txPr>
-    </c:title>
-    <c:autoTitleDeleted val="0"/>
-    <c:plotArea>
-      <c:layout/>
-      <c:barChart>
-        <c:barDir val="col"/>
-        <c:grouping val="clustered"/>
-        <c:varyColors val="0"/>
-        <c:ser>
-          <c:idx val="0"/>
-          <c:order val="0"/>
-          <c:tx>
-            <c:strRef>
-              <c:f>Sheet1!$B$1</c:f>
-              <c:strCache>
-                <c:ptCount val="1"/>
-                <c:pt idx="0">
-                  <c:v>Series 1</c:v>
-                </c:pt>
-              </c:strCache>
-            </c:strRef>
-          </c:tx>
-          <c:spPr>
-            <a:solidFill>
-              <a:schemeClr val="accent1">
-                <a:alpha val="70000"/>
-              </a:schemeClr>
-            </a:solidFill>
-            <a:ln>
-              <a:noFill/>
-            </a:ln>
-            <a:effectLst/>
-          </c:spPr>
-          <c:invertIfNegative val="0"/>
-          <c:cat>
-            <c:strRef>
-              <c:f>Sheet1!$A$2:$A$5</c:f>
-              <c:strCache>
-                <c:ptCount val="4"/>
-                <c:pt idx="0">
-                  <c:v>Category 1</c:v>
-                </c:pt>
-                <c:pt idx="1">
-                  <c:v>Category 2</c:v>
-                </c:pt>
-                <c:pt idx="2">
-                  <c:v>Category 3</c:v>
-                </c:pt>
-                <c:pt idx="3">
-                  <c:v>Category 4</c:v>
-                </c:pt>
-              </c:strCache>
-            </c:strRef>
-          </c:cat>
-          <c:val>
-            <c:numRef>
-              <c:f>Sheet1!$B$2:$B$5</c:f>
-              <c:numCache>
-                <c:formatCode>General</c:formatCode>
-                <c:ptCount val="4"/>
-                <c:pt idx="0">
-                  <c:v>4.3</c:v>
-                </c:pt>
-                <c:pt idx="1">
-                  <c:v>2.5</c:v>
-                </c:pt>
-                <c:pt idx="2">
-                  <c:v>3.5</c:v>
-                </c:pt>
-                <c:pt idx="3">
-                  <c:v>4.5</c:v>
-                </c:pt>
-              </c:numCache>
-            </c:numRef>
-          </c:val>
-          <c:extLst xmlns:c16r2="http://schemas.microsoft.com/office/drawing/2015/06/chart">
-            <c:ext xmlns:c16="http://schemas.microsoft.com/office/drawing/2014/chart" uri="{C3380CC4-5D6E-409C-BE32-E72D297353CC}">
-              <c16:uniqueId val="{00000000-948E-48E5-93D9-839168937F18}"/>
-            </c:ext>
-          </c:extLst>
-        </c:ser>
-        <c:ser>
-          <c:idx val="1"/>
-          <c:order val="1"/>
-          <c:tx>
-            <c:strRef>
-              <c:f>Sheet1!$C$1</c:f>
-              <c:strCache>
-                <c:ptCount val="1"/>
-                <c:pt idx="0">
-                  <c:v>Series 2</c:v>
-                </c:pt>
-              </c:strCache>
-            </c:strRef>
-          </c:tx>
-          <c:spPr>
-            <a:solidFill>
-              <a:schemeClr val="accent2">
-                <a:alpha val="70000"/>
-              </a:schemeClr>
-            </a:solidFill>
-            <a:ln>
-              <a:noFill/>
-            </a:ln>
-            <a:effectLst/>
-          </c:spPr>
-          <c:invertIfNegative val="0"/>
-          <c:cat>
-            <c:strRef>
-              <c:f>Sheet1!$A$2:$A$5</c:f>
-              <c:strCache>
-                <c:ptCount val="4"/>
-                <c:pt idx="0">
-                  <c:v>Category 1</c:v>
-                </c:pt>
-                <c:pt idx="1">
-                  <c:v>Category 2</c:v>
-                </c:pt>
-                <c:pt idx="2">
-                  <c:v>Category 3</c:v>
-                </c:pt>
-                <c:pt idx="3">
-                  <c:v>Category 4</c:v>
-                </c:pt>
-              </c:strCache>
-            </c:strRef>
-          </c:cat>
-          <c:val>
-            <c:numRef>
-              <c:f>Sheet1!$C$2:$C$5</c:f>
-              <c:numCache>
-                <c:formatCode>General</c:formatCode>
-                <c:ptCount val="4"/>
-                <c:pt idx="0">
-                  <c:v>2.4</c:v>
-                </c:pt>
-                <c:pt idx="1">
-                  <c:v>4.4</c:v>
-                </c:pt>
-                <c:pt idx="2">
-                  <c:v>1.8</c:v>
-                </c:pt>
-                <c:pt idx="3">
-                  <c:v>2.8</c:v>
-                </c:pt>
-              </c:numCache>
-            </c:numRef>
-          </c:val>
-          <c:extLst xmlns:c16r2="http://schemas.microsoft.com/office/drawing/2015/06/chart">
-            <c:ext xmlns:c16="http://schemas.microsoft.com/office/drawing/2014/chart" uri="{C3380CC4-5D6E-409C-BE32-E72D297353CC}">
-              <c16:uniqueId val="{00000001-948E-48E5-93D9-839168937F18}"/>
-            </c:ext>
-          </c:extLst>
-        </c:ser>
-        <c:ser>
-          <c:idx val="2"/>
-          <c:order val="2"/>
-          <c:tx>
-            <c:strRef>
-              <c:f>Sheet1!$D$1</c:f>
-              <c:strCache>
-                <c:ptCount val="1"/>
-                <c:pt idx="0">
-                  <c:v>Series 3</c:v>
-                </c:pt>
-              </c:strCache>
-            </c:strRef>
-          </c:tx>
-          <c:spPr>
-            <a:solidFill>
-              <a:schemeClr val="accent3">
-                <a:alpha val="70000"/>
-              </a:schemeClr>
-            </a:solidFill>
-            <a:ln>
-              <a:noFill/>
-            </a:ln>
-            <a:effectLst/>
-          </c:spPr>
-          <c:invertIfNegative val="0"/>
-          <c:cat>
-            <c:strRef>
-              <c:f>Sheet1!$A$2:$A$5</c:f>
-              <c:strCache>
-                <c:ptCount val="4"/>
-                <c:pt idx="0">
-                  <c:v>Category 1</c:v>
-                </c:pt>
-                <c:pt idx="1">
-                  <c:v>Category 2</c:v>
-                </c:pt>
-                <c:pt idx="2">
-                  <c:v>Category 3</c:v>
-                </c:pt>
-                <c:pt idx="3">
-                  <c:v>Category 4</c:v>
-                </c:pt>
-              </c:strCache>
-            </c:strRef>
-          </c:cat>
-          <c:val>
-            <c:numRef>
-              <c:f>Sheet1!$D$2:$D$5</c:f>
-              <c:numCache>
-                <c:formatCode>General</c:formatCode>
-                <c:ptCount val="4"/>
-                <c:pt idx="0">
-                  <c:v>2.0</c:v>
-                </c:pt>
-                <c:pt idx="1">
-                  <c:v>2.0</c:v>
-                </c:pt>
-                <c:pt idx="2">
-                  <c:v>3.0</c:v>
-                </c:pt>
-                <c:pt idx="3">
-                  <c:v>5.0</c:v>
-                </c:pt>
-              </c:numCache>
-            </c:numRef>
-          </c:val>
-          <c:extLst xmlns:c16r2="http://schemas.microsoft.com/office/drawing/2015/06/chart">
-            <c:ext xmlns:c16="http://schemas.microsoft.com/office/drawing/2014/chart" uri="{C3380CC4-5D6E-409C-BE32-E72D297353CC}">
-              <c16:uniqueId val="{00000002-948E-48E5-93D9-839168937F18}"/>
-            </c:ext>
-          </c:extLst>
-        </c:ser>
-        <c:dLbls>
-          <c:showLegendKey val="0"/>
-          <c:showVal val="0"/>
-          <c:showCatName val="0"/>
-          <c:showSerName val="0"/>
-          <c:showPercent val="0"/>
-          <c:showBubbleSize val="0"/>
-        </c:dLbls>
-        <c:gapWidth val="80"/>
-        <c:overlap val="25"/>
-        <c:axId val="277756608"/>
-        <c:axId val="277760272"/>
-      </c:barChart>
-      <c:catAx>
-        <c:axId val="277756608"/>
-        <c:scaling>
-          <c:orientation val="minMax"/>
-        </c:scaling>
-        <c:delete val="0"/>
-        <c:axPos val="b"/>
-        <c:numFmt formatCode="General" sourceLinked="1"/>
-        <c:majorTickMark val="none"/>
-        <c:minorTickMark val="none"/>
-        <c:tickLblPos val="nextTo"/>
-        <c:spPr>
-          <a:noFill/>
-          <a:ln w="15875" cap="flat" cmpd="sng" algn="ctr">
-            <a:solidFill>
-              <a:schemeClr val="tx1">
-                <a:lumMod val="25000"/>
-                <a:lumOff val="75000"/>
-              </a:schemeClr>
-            </a:solidFill>
-            <a:round/>
-          </a:ln>
-          <a:effectLst/>
-        </c:spPr>
-        <c:txPr>
-          <a:bodyPr rot="-60000000" spcFirstLastPara="1" vertOverflow="ellipsis" vert="horz" wrap="square" anchor="ctr" anchorCtr="1"/>
-          <a:lstStyle/>
-          <a:p>
-            <a:pPr>
-              <a:defRPr sz="1197" b="0" i="0" u="none" strike="noStrike" kern="1200" cap="none" spc="20" normalizeH="0" baseline="0">
-                <a:solidFill>
-                  <a:schemeClr val="tx1">
-                    <a:lumMod val="65000"/>
-                    <a:lumOff val="35000"/>
-                  </a:schemeClr>
-                </a:solidFill>
-                <a:latin typeface="+mn-lt"/>
-                <a:ea typeface="+mn-ea"/>
-                <a:cs typeface="+mn-cs"/>
-              </a:defRPr>
-            </a:pPr>
-            <a:endParaRPr lang="en-US"/>
-          </a:p>
-        </c:txPr>
-        <c:crossAx val="277760272"/>
-        <c:crosses val="autoZero"/>
-        <c:auto val="1"/>
-        <c:lblAlgn val="ctr"/>
-        <c:lblOffset val="100"/>
-        <c:noMultiLvlLbl val="0"/>
-      </c:catAx>
-      <c:valAx>
-        <c:axId val="277760272"/>
-        <c:scaling>
-          <c:orientation val="minMax"/>
-        </c:scaling>
-        <c:delete val="0"/>
-        <c:axPos val="l"/>
-        <c:majorGridlines>
-          <c:spPr>
-            <a:ln w="9525" cap="flat" cmpd="sng" algn="ctr">
-              <a:solidFill>
-                <a:schemeClr val="tx1">
-                  <a:lumMod val="5000"/>
-                  <a:lumOff val="95000"/>
-                </a:schemeClr>
-              </a:solidFill>
-              <a:round/>
-            </a:ln>
-            <a:effectLst/>
-          </c:spPr>
-        </c:majorGridlines>
-        <c:numFmt formatCode="General" sourceLinked="1"/>
-        <c:majorTickMark val="none"/>
-        <c:minorTickMark val="none"/>
-        <c:tickLblPos val="nextTo"/>
-        <c:spPr>
-          <a:noFill/>
-          <a:ln>
-            <a:noFill/>
-          </a:ln>
-          <a:effectLst/>
-        </c:spPr>
-        <c:txPr>
-          <a:bodyPr rot="-60000000" spcFirstLastPara="1" vertOverflow="ellipsis" vert="horz" wrap="square" anchor="ctr" anchorCtr="1"/>
-          <a:lstStyle/>
-          <a:p>
-            <a:pPr>
-              <a:defRPr sz="1197" b="0" i="0" u="none" strike="noStrike" kern="1200" spc="20" baseline="0">
-                <a:solidFill>
-                  <a:schemeClr val="tx1">
-                    <a:lumMod val="65000"/>
-                    <a:lumOff val="35000"/>
-                  </a:schemeClr>
-                </a:solidFill>
-                <a:latin typeface="+mn-lt"/>
-                <a:ea typeface="+mn-ea"/>
-                <a:cs typeface="+mn-cs"/>
-              </a:defRPr>
-            </a:pPr>
-            <a:endParaRPr lang="en-US"/>
-          </a:p>
-        </c:txPr>
-        <c:crossAx val="277756608"/>
-        <c:crosses val="autoZero"/>
-        <c:crossBetween val="between"/>
-      </c:valAx>
-      <c:spPr>
-        <a:noFill/>
-        <a:ln>
-          <a:noFill/>
-        </a:ln>
-        <a:effectLst/>
-      </c:spPr>
-    </c:plotArea>
-    <c:legend>
-      <c:legendPos val="b"/>
-      <c:layout/>
-      <c:overlay val="0"/>
-      <c:spPr>
-        <a:noFill/>
-        <a:ln>
-          <a:noFill/>
-        </a:ln>
-        <a:effectLst/>
-      </c:spPr>
-      <c:txPr>
-        <a:bodyPr rot="0" spcFirstLastPara="1" vertOverflow="ellipsis" vert="horz" wrap="square" anchor="ctr" anchorCtr="1"/>
-        <a:lstStyle/>
-        <a:p>
-          <a:pPr>
-            <a:defRPr sz="1197" b="0" i="0" u="none" strike="noStrike" kern="1200" baseline="0">
-              <a:solidFill>
-                <a:schemeClr val="tx1">
-                  <a:lumMod val="65000"/>
-                  <a:lumOff val="35000"/>
-                </a:schemeClr>
-              </a:solidFill>
-              <a:latin typeface="+mn-lt"/>
-              <a:ea typeface="+mn-ea"/>
-              <a:cs typeface="+mn-cs"/>
-            </a:defRPr>
-          </a:pPr>
-          <a:endParaRPr lang="en-US"/>
-        </a:p>
-      </c:txPr>
-    </c:legend>
-    <c:plotVisOnly val="1"/>
-    <c:dispBlanksAs val="gap"/>
-    <c:showDLblsOverMax val="0"/>
-  </c:chart>
-  <c:spPr>
-    <a:noFill/>
-    <a:ln>
-      <a:noFill/>
-    </a:ln>
-    <a:effectLst/>
-  </c:spPr>
-  <c:txPr>
-    <a:bodyPr/>
-    <a:lstStyle/>
-    <a:p>
-      <a:pPr>
-        <a:defRPr/>
-      </a:pPr>
-      <a:endParaRPr lang="en-US"/>
-    </a:p>
-  </c:txPr>
-  <c:externalData r:id="rId3">
-    <c:autoUpdate val="0"/>
-  </c:externalData>
-</c:chartSpace>
-</file>
-
-<file path=ppt/charts/colors1.xml><?xml version="1.0" encoding="utf-8"?>
-<cs:colorStyle xmlns:cs="http://schemas.microsoft.com/office/drawing/2012/chartStyle" xmlns:a="http://schemas.openxmlformats.org/drawingml/2006/main" meth="cycle" id="10">
-  <a:schemeClr val="accent1"/>
-  <a:schemeClr val="accent2"/>
-  <a:schemeClr val="accent3"/>
-  <a:schemeClr val="accent4"/>
-  <a:schemeClr val="accent5"/>
-  <a:schemeClr val="accent6"/>
-  <cs:variation/>
-  <cs:variation>
-    <a:lumMod val="60000"/>
-  </cs:variation>
-  <cs:variation>
-    <a:lumMod val="80000"/>
-    <a:lumOff val="20000"/>
-  </cs:variation>
-  <cs:variation>
-    <a:lumMod val="80000"/>
-  </cs:variation>
-  <cs:variation>
-    <a:lumMod val="60000"/>
-    <a:lumOff val="40000"/>
-  </cs:variation>
-  <cs:variation>
-    <a:lumMod val="50000"/>
-  </cs:variation>
-  <cs:variation>
-    <a:lumMod val="70000"/>
-    <a:lumOff val="30000"/>
-  </cs:variation>
-  <cs:variation>
-    <a:lumMod val="70000"/>
-  </cs:variation>
-  <cs:variation>
-    <a:lumMod val="50000"/>
-    <a:lumOff val="50000"/>
-  </cs:variation>
-</cs:colorStyle>
-</file>
-
-<file path=ppt/charts/style1.xml><?xml version="1.0" encoding="utf-8"?>
-<cs:chartStyle xmlns:cs="http://schemas.microsoft.com/office/drawing/2012/chartStyle" xmlns:a="http://schemas.openxmlformats.org/drawingml/2006/main" id="215">
-  <cs:axisTitle>
-    <cs:lnRef idx="0"/>
-    <cs:fillRef idx="0"/>
-    <cs:effectRef idx="0"/>
-    <cs:fontRef idx="minor">
-      <a:schemeClr val="tx1">
-        <a:lumMod val="65000"/>
-        <a:lumOff val="35000"/>
-      </a:schemeClr>
-    </cs:fontRef>
-    <cs:defRPr sz="1197" kern="1200" cap="all"/>
-  </cs:axisTitle>
-  <cs:categoryAxis>
-    <cs:lnRef idx="0"/>
-    <cs:fillRef idx="0"/>
-    <cs:effectRef idx="0"/>
-    <cs:fontRef idx="minor">
-      <a:schemeClr val="tx1">
-        <a:lumMod val="65000"/>
-        <a:lumOff val="35000"/>
-      </a:schemeClr>
-    </cs:fontRef>
-    <cs:spPr>
-      <a:ln w="15875" cap="flat" cmpd="sng" algn="ctr">
-        <a:solidFill>
-          <a:schemeClr val="tx1">
-            <a:lumMod val="25000"/>
-            <a:lumOff val="75000"/>
-          </a:schemeClr>
-        </a:solidFill>
-        <a:round/>
-      </a:ln>
-    </cs:spPr>
-    <cs:defRPr sz="1197" kern="1200" cap="none" spc="20" normalizeH="0" baseline="0"/>
-  </cs:categoryAxis>
-  <cs:chartArea mods="allowNoFillOverride allowNoLineOverride">
-    <cs:lnRef idx="0"/>
-    <cs:fillRef idx="0"/>
-    <cs:effectRef idx="0"/>
-    <cs:fontRef idx="minor">
-      <a:schemeClr val="dk1"/>
-    </cs:fontRef>
-    <cs:spPr>
-      <a:solidFill>
-        <a:schemeClr val="lt1"/>
-      </a:solidFill>
-      <a:ln w="9525" cap="flat" cmpd="sng" algn="ctr">
-        <a:solidFill>
-          <a:schemeClr val="tx1">
-            <a:lumMod val="15000"/>
-            <a:lumOff val="85000"/>
-          </a:schemeClr>
-        </a:solidFill>
-        <a:round/>
-      </a:ln>
-    </cs:spPr>
-    <cs:defRPr sz="1197" kern="1200"/>
-  </cs:chartArea>
-  <cs:dataLabel>
-    <cs:lnRef idx="0"/>
-    <cs:fillRef idx="0"/>
-    <cs:effectRef idx="0"/>
-    <cs:fontRef idx="minor">
-      <a:schemeClr val="tx1">
-        <a:lumMod val="75000"/>
-        <a:lumOff val="25000"/>
-      </a:schemeClr>
-    </cs:fontRef>
-    <cs:defRPr sz="1197" kern="1200"/>
-  </cs:dataLabel>
-  <cs:dataLabelCallout>
-    <cs:lnRef idx="0"/>
-    <cs:fillRef idx="0"/>
-    <cs:effectRef idx="0"/>
-    <cs:fontRef idx="minor">
-      <a:schemeClr val="bg1"/>
-    </cs:fontRef>
-    <cs:spPr>
-      <a:solidFill>
-        <a:schemeClr val="tx1">
-          <a:lumMod val="50000"/>
-          <a:lumOff val="50000"/>
-        </a:schemeClr>
-      </a:solidFill>
-    </cs:spPr>
-    <cs:defRPr sz="1197" kern="1200"/>
-    <cs:bodyPr rot="0" spcFirstLastPara="1" vertOverflow="clip" horzOverflow="clip" vert="horz" wrap="square" lIns="36576" tIns="18288" rIns="36576" bIns="18288" anchor="ctr" anchorCtr="1">
-      <a:spAutoFit/>
-    </cs:bodyPr>
-  </cs:dataLabelCallout>
-  <cs:dataPoint>
-    <cs:lnRef idx="0"/>
-    <cs:fillRef idx="0">
-      <cs:styleClr val="auto"/>
-    </cs:fillRef>
-    <cs:effectRef idx="0"/>
-    <cs:fontRef idx="minor">
-      <a:schemeClr val="dk1"/>
-    </cs:fontRef>
-    <cs:spPr>
-      <a:solidFill>
-        <a:schemeClr val="phClr">
-          <a:alpha val="70000"/>
-        </a:schemeClr>
-      </a:solidFill>
-    </cs:spPr>
-  </cs:dataPoint>
-  <cs:dataPoint3D>
-    <cs:lnRef idx="0"/>
-    <cs:fillRef idx="0">
-      <cs:styleClr val="auto"/>
-    </cs:fillRef>
-    <cs:effectRef idx="0"/>
-    <cs:fontRef idx="minor">
-      <a:schemeClr val="dk1"/>
-    </cs:fontRef>
-    <cs:spPr>
-      <a:solidFill>
-        <a:schemeClr val="phClr">
-          <a:alpha val="70000"/>
-        </a:schemeClr>
-      </a:solidFill>
-    </cs:spPr>
-  </cs:dataPoint3D>
-  <cs:dataPointLine>
-    <cs:lnRef idx="0">
-      <cs:styleClr val="auto"/>
-    </cs:lnRef>
-    <cs:fillRef idx="0"/>
-    <cs:effectRef idx="0"/>
-    <cs:fontRef idx="minor">
-      <a:schemeClr val="dk1"/>
-    </cs:fontRef>
-    <cs:spPr>
-      <a:ln w="28575" cap="rnd">
-        <a:solidFill>
-          <a:schemeClr val="phClr">
-            <a:alpha val="70000"/>
-          </a:schemeClr>
-        </a:solidFill>
-        <a:round/>
-      </a:ln>
-    </cs:spPr>
-  </cs:dataPointLine>
-  <cs:dataPointMarker>
-    <cs:lnRef idx="0"/>
-    <cs:fillRef idx="0">
-      <cs:styleClr val="auto"/>
-    </cs:fillRef>
-    <cs:effectRef idx="0"/>
-    <cs:fontRef idx="minor">
-      <a:schemeClr val="dk1"/>
-    </cs:fontRef>
-    <cs:spPr>
-      <a:solidFill>
-        <a:schemeClr val="phClr">
-          <a:alpha val="70000"/>
-        </a:schemeClr>
-      </a:solidFill>
-    </cs:spPr>
-  </cs:dataPointMarker>
-  <cs:dataPointMarkerLayout symbol="circle" size="6"/>
-  <cs:dataPointWireframe>
-    <cs:lnRef idx="0">
-      <cs:styleClr val="auto"/>
-    </cs:lnRef>
-    <cs:fillRef idx="0"/>
-    <cs:effectRef idx="0"/>
-    <cs:fontRef idx="minor">
-      <a:schemeClr val="dk1"/>
-    </cs:fontRef>
-    <cs:spPr>
-      <a:ln w="9525" cap="rnd">
-        <a:solidFill>
-          <a:schemeClr val="phClr"/>
-        </a:solidFill>
-        <a:round/>
-      </a:ln>
-    </cs:spPr>
-  </cs:dataPointWireframe>
-  <cs:dataTable>
-    <cs:lnRef idx="0"/>
-    <cs:fillRef idx="0"/>
-    <cs:effectRef idx="0"/>
-    <cs:fontRef idx="minor">
-      <a:schemeClr val="tx1">
-        <a:lumMod val="65000"/>
-        <a:lumOff val="35000"/>
-      </a:schemeClr>
-    </cs:fontRef>
-    <cs:spPr>
-      <a:ln w="9525">
-        <a:solidFill>
-          <a:schemeClr val="tx1">
-            <a:lumMod val="15000"/>
-            <a:lumOff val="85000"/>
-          </a:schemeClr>
-        </a:solidFill>
-      </a:ln>
-    </cs:spPr>
-    <cs:defRPr sz="1197" kern="1200"/>
-  </cs:dataTable>
-  <cs:downBar>
-    <cs:lnRef idx="0"/>
-    <cs:fillRef idx="0"/>
-    <cs:effectRef idx="0"/>
-    <cs:fontRef idx="minor">
-      <a:schemeClr val="dk1"/>
-    </cs:fontRef>
-    <cs:spPr>
-      <a:solidFill>
-        <a:schemeClr val="dk1">
-          <a:lumMod val="75000"/>
-          <a:lumOff val="25000"/>
-        </a:schemeClr>
-      </a:solidFill>
-      <a:ln w="9525">
-        <a:solidFill>
-          <a:schemeClr val="tx1">
-            <a:lumMod val="65000"/>
-            <a:lumOff val="35000"/>
-          </a:schemeClr>
-        </a:solidFill>
-      </a:ln>
-    </cs:spPr>
-  </cs:downBar>
-  <cs:dropLine>
-    <cs:lnRef idx="0"/>
-    <cs:fillRef idx="0"/>
-    <cs:effectRef idx="0"/>
-    <cs:fontRef idx="minor">
-      <a:schemeClr val="dk1"/>
-    </cs:fontRef>
-    <cs:spPr>
-      <a:ln w="9525">
-        <a:solidFill>
-          <a:schemeClr val="tx1">
-            <a:lumMod val="35000"/>
-            <a:lumOff val="65000"/>
-          </a:schemeClr>
-        </a:solidFill>
-        <a:round/>
-      </a:ln>
-    </cs:spPr>
-  </cs:dropLine>
-  <cs:errorBar>
-    <cs:lnRef idx="0"/>
-    <cs:fillRef idx="0"/>
-    <cs:effectRef idx="0"/>
-    <cs:fontRef idx="minor">
-      <a:schemeClr val="dk1"/>
-    </cs:fontRef>
-    <cs:spPr>
-      <a:ln w="9525">
-        <a:solidFill>
-          <a:schemeClr val="tx1">
-            <a:lumMod val="65000"/>
-            <a:lumOff val="35000"/>
-          </a:schemeClr>
-        </a:solidFill>
-        <a:round/>
-      </a:ln>
-    </cs:spPr>
-  </cs:errorBar>
-  <cs:floor>
-    <cs:lnRef idx="0"/>
-    <cs:fillRef idx="0"/>
-    <cs:effectRef idx="0"/>
-    <cs:fontRef idx="minor">
-      <a:schemeClr val="dk1"/>
-    </cs:fontRef>
-  </cs:floor>
-  <cs:gridlineMajor>
-    <cs:lnRef idx="0"/>
-    <cs:fillRef idx="0"/>
-    <cs:effectRef idx="0"/>
-    <cs:fontRef idx="minor">
-      <a:schemeClr val="dk1"/>
-    </cs:fontRef>
-    <cs:spPr>
-      <a:ln w="9525" cap="flat" cmpd="sng" algn="ctr">
-        <a:solidFill>
-          <a:schemeClr val="tx1">
-            <a:lumMod val="5000"/>
-            <a:lumOff val="95000"/>
-          </a:schemeClr>
-        </a:solidFill>
-        <a:round/>
-      </a:ln>
-    </cs:spPr>
-  </cs:gridlineMajor>
-  <cs:gridlineMinor>
-    <cs:lnRef idx="0"/>
-    <cs:fillRef idx="0"/>
-    <cs:effectRef idx="0"/>
-    <cs:fontRef idx="minor">
-      <a:schemeClr val="dk1"/>
-    </cs:fontRef>
-    <cs:spPr>
-      <a:ln>
-        <a:solidFill>
-          <a:schemeClr val="tx1">
-            <a:lumMod val="5000"/>
-            <a:lumOff val="95000"/>
-          </a:schemeClr>
-        </a:solidFill>
-      </a:ln>
-    </cs:spPr>
-  </cs:gridlineMinor>
-  <cs:hiLoLine>
-    <cs:lnRef idx="0"/>
-    <cs:fillRef idx="0"/>
-    <cs:effectRef idx="0"/>
-    <cs:fontRef idx="minor">
-      <a:schemeClr val="dk1"/>
-    </cs:fontRef>
-    <cs:spPr>
-      <a:ln w="9525">
-        <a:solidFill>
-          <a:schemeClr val="tx1">
-            <a:lumMod val="35000"/>
-            <a:lumOff val="65000"/>
-          </a:schemeClr>
-        </a:solidFill>
-        <a:round/>
-      </a:ln>
-    </cs:spPr>
-  </cs:hiLoLine>
-  <cs:leaderLine>
-    <cs:lnRef idx="0"/>
-    <cs:fillRef idx="0"/>
-    <cs:effectRef idx="0"/>
-    <cs:fontRef idx="minor">
-      <a:schemeClr val="dk1"/>
-    </cs:fontRef>
-    <cs:spPr>
-      <a:ln w="9525">
-        <a:solidFill>
-          <a:schemeClr val="tx1">
-            <a:lumMod val="35000"/>
-            <a:lumOff val="65000"/>
-          </a:schemeClr>
-        </a:solidFill>
-      </a:ln>
-    </cs:spPr>
-  </cs:leaderLine>
-  <cs:legend>
-    <cs:lnRef idx="0"/>
-    <cs:fillRef idx="0"/>
-    <cs:effectRef idx="0"/>
-    <cs:fontRef idx="minor">
-      <a:schemeClr val="tx1">
-        <a:lumMod val="65000"/>
-        <a:lumOff val="35000"/>
-      </a:schemeClr>
-    </cs:fontRef>
-    <cs:defRPr sz="1197" kern="1200" baseline="0"/>
-  </cs:legend>
-  <cs:plotArea mods="allowNoFillOverride allowNoLineOverride">
-    <cs:lnRef idx="0"/>
-    <cs:fillRef idx="0"/>
-    <cs:effectRef idx="0"/>
-    <cs:fontRef idx="minor">
-      <a:schemeClr val="dk1"/>
-    </cs:fontRef>
-  </cs:plotArea>
-  <cs:plotArea3D mods="allowNoFillOverride allowNoLineOverride">
-    <cs:lnRef idx="0"/>
-    <cs:fillRef idx="0"/>
-    <cs:effectRef idx="0"/>
-    <cs:fontRef idx="minor">
-      <a:schemeClr val="dk1"/>
-    </cs:fontRef>
-  </cs:plotArea3D>
-  <cs:seriesAxis>
-    <cs:lnRef idx="0"/>
-    <cs:fillRef idx="0"/>
-    <cs:effectRef idx="0"/>
-    <cs:fontRef idx="minor">
-      <a:schemeClr val="tx1">
-        <a:lumMod val="65000"/>
-        <a:lumOff val="35000"/>
-      </a:schemeClr>
-    </cs:fontRef>
-    <cs:defRPr sz="1197" kern="1200"/>
-  </cs:seriesAxis>
-  <cs:seriesLine>
-    <cs:lnRef idx="0"/>
-    <cs:fillRef idx="0"/>
-    <cs:effectRef idx="0"/>
-    <cs:fontRef idx="minor">
-      <a:schemeClr val="dk1"/>
-    </cs:fontRef>
-    <cs:spPr>
-      <a:ln w="9525">
-        <a:solidFill>
-          <a:schemeClr val="tx1">
-            <a:lumMod val="35000"/>
-            <a:lumOff val="65000"/>
-          </a:schemeClr>
-        </a:solidFill>
-        <a:round/>
-      </a:ln>
-    </cs:spPr>
-  </cs:seriesLine>
-  <cs:title>
-    <cs:lnRef idx="0"/>
-    <cs:fillRef idx="0"/>
-    <cs:effectRef idx="0"/>
-    <cs:fontRef idx="major">
-      <a:schemeClr val="tx1">
-        <a:lumMod val="65000"/>
-        <a:lumOff val="35000"/>
-      </a:schemeClr>
-    </cs:fontRef>
-    <cs:defRPr sz="2128" b="0" i="0" kern="1200" cap="none" spc="50" normalizeH="0" baseline="0"/>
-  </cs:title>
-  <cs:trendline>
-    <cs:lnRef idx="0">
-      <cs:styleClr val="auto"/>
-    </cs:lnRef>
-    <cs:fillRef idx="0"/>
-    <cs:effectRef idx="0"/>
-    <cs:fontRef idx="minor">
-      <a:schemeClr val="dk1"/>
-    </cs:fontRef>
-    <cs:spPr>
-      <a:ln w="15875" cap="rnd">
-        <a:solidFill>
-          <a:schemeClr val="phClr"/>
-        </a:solidFill>
-      </a:ln>
-    </cs:spPr>
-  </cs:trendline>
-  <cs:trendlineLabel>
-    <cs:lnRef idx="0"/>
-    <cs:fillRef idx="0"/>
-    <cs:effectRef idx="0"/>
-    <cs:fontRef idx="minor">
-      <a:schemeClr val="tx1">
-        <a:lumMod val="65000"/>
-        <a:lumOff val="35000"/>
-      </a:schemeClr>
-    </cs:fontRef>
-    <cs:defRPr sz="1197" kern="1200"/>
-  </cs:trendlineLabel>
-  <cs:upBar>
-    <cs:lnRef idx="0"/>
-    <cs:fillRef idx="0"/>
-    <cs:effectRef idx="0"/>
-    <cs:fontRef idx="minor">
-      <a:schemeClr val="dk1"/>
-    </cs:fontRef>
-    <cs:spPr>
-      <a:solidFill>
-        <a:schemeClr val="lt1"/>
-      </a:solidFill>
-      <a:ln w="9525">
-        <a:solidFill>
-          <a:schemeClr val="tx1">
-            <a:lumMod val="65000"/>
-            <a:lumOff val="35000"/>
-          </a:schemeClr>
-        </a:solidFill>
-      </a:ln>
-    </cs:spPr>
-  </cs:upBar>
-  <cs:valueAxis>
-    <cs:lnRef idx="0"/>
-    <cs:fillRef idx="0"/>
-    <cs:effectRef idx="0"/>
-    <cs:fontRef idx="minor">
-      <a:schemeClr val="tx1">
-        <a:lumMod val="65000"/>
-        <a:lumOff val="35000"/>
-      </a:schemeClr>
-    </cs:fontRef>
-    <cs:defRPr sz="1197" kern="1200" spc="20" baseline="0"/>
-  </cs:valueAxis>
-  <cs:wall>
-    <cs:lnRef idx="0"/>
-    <cs:fillRef idx="0"/>
-    <cs:effectRef idx="0"/>
-    <cs:fontRef idx="minor">
-      <a:schemeClr val="dk1"/>
-    </cs:fontRef>
-  </cs:wall>
-</cs:chartStyle>
 </file>
 
 <file path=ppt/handoutMasters/handoutMaster1.xml><?xml version="1.0" encoding="utf-8"?>
@@ -5330,8 +4342,13 @@
           <a:p>
             <a:r>
               <a:rPr lang="en-US" dirty="0"/>
-              <a:t>Conclusion</a:t>
-            </a:r>
+              <a:t>Results </a:t>
+            </a:r>
+            <a:r>
+              <a:rPr lang="en-US" dirty="0" smtClean="0"/>
+              <a:t>3</a:t>
+            </a:r>
+            <a:endParaRPr lang="en-US" dirty="0"/>
           </a:p>
         </p:txBody>
       </p:sp>
@@ -5352,30 +4369,27 @@
           <a:p>
             <a:r>
               <a:rPr lang="en-US" dirty="0"/>
-              <a:t>Brief summary of what you discovered based on results</a:t>
+              <a:t>Why can we trust your model?</a:t>
             </a:r>
           </a:p>
           <a:p>
             <a:r>
               <a:rPr lang="en-US" dirty="0"/>
-              <a:t>Limitations of approach</a:t>
+              <a:t>What are the strengths of the model?</a:t>
             </a:r>
           </a:p>
           <a:p>
             <a:r>
               <a:rPr lang="en-US" dirty="0"/>
-              <a:t>How to improve/future work</a:t>
-            </a:r>
-          </a:p>
-          <a:p>
-            <a:endParaRPr lang="en-US" dirty="0"/>
+              <a:t>Where does the model fall short?</a:t>
+            </a:r>
           </a:p>
         </p:txBody>
       </p:sp>
     </p:spTree>
     <p:extLst>
       <p:ext uri="{BB962C8B-B14F-4D97-AF65-F5344CB8AC3E}">
-        <p14:creationId xmlns:p14="http://schemas.microsoft.com/office/powerpoint/2010/main" val="1745118763"/>
+        <p14:creationId xmlns:p14="http://schemas.microsoft.com/office/powerpoint/2010/main" val="3185095740"/>
       </p:ext>
     </p:extLst>
   </p:cSld>
@@ -5420,7 +4434,7 @@
           <a:p>
             <a:r>
               <a:rPr lang="en-US" dirty="0"/>
-              <a:t>References</a:t>
+              <a:t>Conclusion</a:t>
             </a:r>
           </a:p>
         </p:txBody>
@@ -5441,11 +4455,296 @@
           <a:lstStyle/>
           <a:p>
             <a:r>
+              <a:rPr lang="en-US" sz="2400" dirty="0" smtClean="0"/>
+              <a:t>Brief summary of what you discovered based on results</a:t>
+            </a:r>
+          </a:p>
+          <a:p>
+            <a:pPr lvl="1">
+              <a:buClrTx/>
+            </a:pPr>
+            <a:r>
+              <a:rPr lang="en-US" sz="2000" dirty="0"/>
+              <a:t>Difficult to produce legitimate recipes using character-level embedding</a:t>
+            </a:r>
+          </a:p>
+          <a:p>
+            <a:pPr lvl="1">
+              <a:buClrTx/>
+            </a:pPr>
+            <a:r>
+              <a:rPr lang="en-US" sz="2000" dirty="0"/>
+              <a:t>Word2vec provides the best balance between legibility and creativity</a:t>
+            </a:r>
+          </a:p>
+          <a:p>
+            <a:r>
+              <a:rPr lang="en-US" sz="2400" dirty="0" smtClean="0"/>
+              <a:t>Limitations of approach</a:t>
+            </a:r>
+          </a:p>
+          <a:p>
+            <a:pPr lvl="1"/>
+            <a:r>
+              <a:rPr lang="en-US" sz="2000" dirty="0"/>
+              <a:t>Dictionary limited to those words/recipes available via the </a:t>
+            </a:r>
+            <a:r>
+              <a:rPr lang="en-US" sz="2000" dirty="0" err="1"/>
+              <a:t>Yummly</a:t>
+            </a:r>
+            <a:r>
+              <a:rPr lang="en-US" sz="2000" dirty="0"/>
+              <a:t> </a:t>
+            </a:r>
+            <a:r>
+              <a:rPr lang="en-US" sz="2000" dirty="0" smtClean="0"/>
+              <a:t>API</a:t>
+            </a:r>
+            <a:endParaRPr lang="en-US" sz="2000" dirty="0" smtClean="0"/>
+          </a:p>
+          <a:p>
+            <a:r>
+              <a:rPr lang="en-US" sz="2400" dirty="0" smtClean="0"/>
+              <a:t>How </a:t>
+            </a:r>
+            <a:r>
+              <a:rPr lang="en-US" sz="2400" dirty="0"/>
+              <a:t>to improve/future </a:t>
+            </a:r>
+            <a:r>
+              <a:rPr lang="en-US" sz="2400" dirty="0" smtClean="0"/>
+              <a:t>work</a:t>
+            </a:r>
+          </a:p>
+          <a:p>
+            <a:pPr lvl="1">
+              <a:buClrTx/>
+            </a:pPr>
+            <a:r>
+              <a:rPr lang="en-US" sz="2000" dirty="0"/>
+              <a:t>Generalize to include other types of food (e.g., muffins, cakes), then use combination of words specific to each type to seed recipe generation</a:t>
+            </a:r>
+          </a:p>
+          <a:p>
+            <a:pPr lvl="1">
+              <a:buClrTx/>
+            </a:pPr>
+            <a:r>
+              <a:rPr lang="en-US" sz="2000" dirty="0"/>
+              <a:t>Train model to classify recipes based on ingredients</a:t>
+            </a:r>
+          </a:p>
+          <a:p>
+            <a:pPr lvl="1">
+              <a:buClrTx/>
+            </a:pPr>
+            <a:r>
+              <a:rPr lang="en-US" sz="2000" dirty="0"/>
+              <a:t>Include directions to give full recipes</a:t>
+            </a:r>
+          </a:p>
+          <a:p>
+            <a:pPr lvl="1">
+              <a:buClrTx/>
+            </a:pPr>
+            <a:r>
+              <a:rPr lang="en-US" sz="2000" dirty="0"/>
+              <a:t>Convert all fractions to decimals (e.g., ¾ to 0.75)</a:t>
+            </a:r>
+          </a:p>
+          <a:p>
+            <a:endParaRPr lang="en-US" sz="2400" dirty="0"/>
+          </a:p>
+          <a:p>
+            <a:endParaRPr lang="en-US" sz="2400" dirty="0"/>
+          </a:p>
+        </p:txBody>
+      </p:sp>
+    </p:spTree>
+    <p:extLst>
+      <p:ext uri="{BB962C8B-B14F-4D97-AF65-F5344CB8AC3E}">
+        <p14:creationId xmlns:p14="http://schemas.microsoft.com/office/powerpoint/2010/main" val="1745118763"/>
+      </p:ext>
+    </p:extLst>
+  </p:cSld>
+  <p:clrMapOvr>
+    <a:masterClrMapping/>
+  </p:clrMapOvr>
+  <p:transition/>
+</p:sld>
+</file>
+
+<file path=ppt/slides/slide12.xml><?xml version="1.0" encoding="utf-8"?>
+<p:sld xmlns:a="http://schemas.openxmlformats.org/drawingml/2006/main" xmlns:r="http://schemas.openxmlformats.org/officeDocument/2006/relationships" xmlns:p="http://schemas.openxmlformats.org/presentationml/2006/main">
+  <p:cSld>
+    <p:spTree>
+      <p:nvGrpSpPr>
+        <p:cNvPr id="1" name=""/>
+        <p:cNvGrpSpPr/>
+        <p:nvPr/>
+      </p:nvGrpSpPr>
+      <p:grpSpPr>
+        <a:xfrm>
+          <a:off x="0" y="0"/>
+          <a:ext cx="0" cy="0"/>
+          <a:chOff x="0" y="0"/>
+          <a:chExt cx="0" cy="0"/>
+        </a:xfrm>
+      </p:grpSpPr>
+      <p:sp>
+        <p:nvSpPr>
+          <p:cNvPr id="2" name="Title 1"/>
+          <p:cNvSpPr>
+            <a:spLocks noGrp="1"/>
+          </p:cNvSpPr>
+          <p:nvPr>
+            <p:ph type="title"/>
+          </p:nvPr>
+        </p:nvSpPr>
+        <p:spPr/>
+        <p:txBody>
+          <a:bodyPr/>
+          <a:lstStyle/>
+          <a:p>
+            <a:r>
               <a:rPr lang="en-US" dirty="0"/>
-              <a:t>Include print and electronic sources in alphabetical order</a:t>
-            </a:r>
-          </a:p>
-          <a:p>
+              <a:t>References</a:t>
+            </a:r>
+          </a:p>
+        </p:txBody>
+      </p:sp>
+      <p:sp>
+        <p:nvSpPr>
+          <p:cNvPr id="3" name="Content Placeholder 2"/>
+          <p:cNvSpPr>
+            <a:spLocks noGrp="1"/>
+          </p:cNvSpPr>
+          <p:nvPr>
+            <p:ph idx="1"/>
+          </p:nvPr>
+        </p:nvSpPr>
+        <p:spPr/>
+        <p:txBody>
+          <a:bodyPr/>
+          <a:lstStyle/>
+          <a:p>
+            <a:pPr>
+              <a:buClrTx/>
+            </a:pPr>
+            <a:r>
+              <a:rPr lang="en-US" dirty="0"/>
+              <a:t>Do Androids Dream of Cooking? (Tom </a:t>
+            </a:r>
+            <a:r>
+              <a:rPr lang="en-US" dirty="0" err="1"/>
+              <a:t>Brewe</a:t>
+            </a:r>
+            <a:r>
+              <a:rPr lang="en-US" dirty="0"/>
+              <a:t>)</a:t>
+            </a:r>
+          </a:p>
+          <a:p>
+            <a:pPr>
+              <a:buClrTx/>
+            </a:pPr>
+            <a:r>
+              <a:rPr lang="en-US" dirty="0" err="1"/>
+              <a:t>Keras</a:t>
+            </a:r>
+            <a:r>
+              <a:rPr lang="en-US" dirty="0"/>
+              <a:t> LSTM Text Generation Example Code (Fran</a:t>
+            </a:r>
+            <a:r>
+              <a:rPr lang="tr-TR" dirty="0" err="1"/>
+              <a:t>çois</a:t>
+            </a:r>
+            <a:r>
+              <a:rPr lang="tr-TR" dirty="0"/>
+              <a:t> </a:t>
+            </a:r>
+            <a:r>
+              <a:rPr lang="tr-TR" dirty="0" err="1"/>
+              <a:t>Chollet</a:t>
+            </a:r>
+            <a:r>
+              <a:rPr lang="tr-TR" dirty="0"/>
+              <a:t>)</a:t>
+            </a:r>
+          </a:p>
+          <a:p>
+            <a:pPr>
+              <a:buClrTx/>
+            </a:pPr>
+            <a:r>
+              <a:rPr lang="tr-TR" dirty="0"/>
+              <a:t>Word RNN </a:t>
+            </a:r>
+            <a:r>
+              <a:rPr lang="tr-TR" dirty="0" err="1"/>
+              <a:t>Tensorflow</a:t>
+            </a:r>
+            <a:r>
+              <a:rPr lang="tr-TR" dirty="0"/>
+              <a:t> </a:t>
+            </a:r>
+            <a:r>
+              <a:rPr lang="tr-TR" dirty="0" err="1"/>
+              <a:t>Code</a:t>
+            </a:r>
+            <a:r>
+              <a:rPr lang="tr-TR" dirty="0"/>
+              <a:t> (</a:t>
+            </a:r>
+            <a:r>
+              <a:rPr lang="tr-TR" dirty="0" err="1"/>
+              <a:t>Sung</a:t>
+            </a:r>
+            <a:r>
+              <a:rPr lang="tr-TR" dirty="0"/>
+              <a:t> Kim)</a:t>
+            </a:r>
+            <a:endParaRPr lang="en-US" dirty="0"/>
+          </a:p>
+          <a:p>
+            <a:pPr>
+              <a:buClrTx/>
+            </a:pPr>
+            <a:r>
+              <a:rPr lang="en-US" dirty="0"/>
+              <a:t>The Unreasonable Effectiveness of Recurrent Neural Networks (Andrej </a:t>
+            </a:r>
+            <a:r>
+              <a:rPr lang="en-US" dirty="0" err="1"/>
+              <a:t>Karpathy</a:t>
+            </a:r>
+            <a:r>
+              <a:rPr lang="en-US" dirty="0"/>
+              <a:t>)</a:t>
+            </a:r>
+          </a:p>
+          <a:p>
+            <a:pPr>
+              <a:buClrTx/>
+            </a:pPr>
+            <a:r>
+              <a:rPr lang="en-US" dirty="0"/>
+              <a:t>Generating Text with Recurrent Neural Networks (Ilya </a:t>
+            </a:r>
+            <a:r>
+              <a:rPr lang="en-US" dirty="0" err="1"/>
+              <a:t>Sutskever</a:t>
+            </a:r>
+            <a:r>
+              <a:rPr lang="en-US" dirty="0"/>
+              <a:t>, James Martens, Geoffrey </a:t>
+            </a:r>
+            <a:r>
+              <a:rPr lang="en-US" dirty="0" smtClean="0"/>
+              <a:t>Hinton</a:t>
+            </a:r>
             <a:endParaRPr lang="en-US" dirty="0"/>
           </a:p>
         </p:txBody>
@@ -7031,31 +6330,6 @@
           </a:p>
         </p:txBody>
       </p:sp>
-      <p:graphicFrame>
-        <p:nvGraphicFramePr>
-          <p:cNvPr id="4" name="Content Placeholder 18" descr="Clustered column chart" title="Chart"/>
-          <p:cNvGraphicFramePr>
-            <a:graphicFrameLocks noGrp="1"/>
-          </p:cNvGraphicFramePr>
-          <p:nvPr>
-            <p:ph idx="1"/>
-            <p:extLst>
-              <p:ext uri="{D42A27DB-BD31-4B8C-83A1-F6EECF244321}">
-                <p14:modId xmlns:p14="http://schemas.microsoft.com/office/powerpoint/2010/main" val="1062695531"/>
-              </p:ext>
-            </p:extLst>
-          </p:nvPr>
-        </p:nvGraphicFramePr>
-        <p:xfrm>
-          <a:off x="1524000" y="3200400"/>
-          <a:ext cx="6705600" cy="3429000"/>
-        </p:xfrm>
-        <a:graphic>
-          <a:graphicData uri="http://schemas.openxmlformats.org/drawingml/2006/chart">
-            <c:chart xmlns:c="http://schemas.openxmlformats.org/drawingml/2006/chart" xmlns:r="http://schemas.openxmlformats.org/officeDocument/2006/relationships" r:id="rId2"/>
-          </a:graphicData>
-        </a:graphic>
-      </p:graphicFrame>
       <p:sp>
         <p:nvSpPr>
           <p:cNvPr id="5" name="Content Placeholder 5"/>
@@ -7247,22 +6521,185 @@
           </a:lstStyle>
           <a:p>
             <a:r>
-              <a:rPr lang="en-US" kern="0"/>
-              <a:t>Include results based on your experiments</a:t>
-            </a:r>
-          </a:p>
-          <a:p>
-            <a:r>
-              <a:rPr lang="en-US" kern="0"/>
-              <a:t>Result 2</a:t>
-            </a:r>
-          </a:p>
-          <a:p>
-            <a:r>
-              <a:rPr lang="en-US" kern="0"/>
-              <a:t>Result 3</a:t>
-            </a:r>
+              <a:rPr lang="en-US" kern="0" dirty="0" smtClean="0"/>
+              <a:t>Character level embedding with CNN</a:t>
+            </a:r>
+          </a:p>
+          <a:p>
             <a:endParaRPr lang="en-US" kern="0" dirty="0"/>
+          </a:p>
+          <a:p>
+            <a:endParaRPr lang="en-US" kern="0" dirty="0" smtClean="0"/>
+          </a:p>
+          <a:p>
+            <a:endParaRPr lang="en-US" kern="0" dirty="0"/>
+          </a:p>
+          <a:p>
+            <a:endParaRPr lang="en-US" kern="0" dirty="0" smtClean="0"/>
+          </a:p>
+          <a:p>
+            <a:endParaRPr lang="en-US" kern="0" dirty="0"/>
+          </a:p>
+          <a:p>
+            <a:endParaRPr lang="en-US" kern="0" dirty="0" smtClean="0"/>
+          </a:p>
+          <a:p>
+            <a:endParaRPr lang="en-US" kern="0" dirty="0"/>
+          </a:p>
+          <a:p>
+            <a:endParaRPr lang="en-US" kern="0" dirty="0"/>
+          </a:p>
+        </p:txBody>
+      </p:sp>
+      <p:pic>
+        <p:nvPicPr>
+          <p:cNvPr id="11" name="Content Placeholder 7"/>
+          <p:cNvPicPr>
+            <a:picLocks noGrp="1" noChangeAspect="1"/>
+          </p:cNvPicPr>
+          <p:nvPr>
+            <p:ph idx="1"/>
+          </p:nvPr>
+        </p:nvPicPr>
+        <p:blipFill>
+          <a:blip r:embed="rId2">
+            <a:extLst>
+              <a:ext uri="{28A0092B-C50C-407E-A947-70E740481C1C}">
+                <a14:useLocalDpi xmlns:a14="http://schemas.microsoft.com/office/drawing/2010/main" val="0"/>
+              </a:ext>
+            </a:extLst>
+          </a:blip>
+          <a:stretch>
+            <a:fillRect/>
+          </a:stretch>
+        </p:blipFill>
+        <p:spPr>
+          <a:xfrm>
+            <a:off x="44044" y="2057400"/>
+            <a:ext cx="4832756" cy="3322519"/>
+          </a:xfrm>
+        </p:spPr>
+      </p:pic>
+      <p:pic>
+        <p:nvPicPr>
+          <p:cNvPr id="14" name="Content Placeholder 13"/>
+          <p:cNvPicPr>
+            <a:picLocks noChangeAspect="1"/>
+          </p:cNvPicPr>
+          <p:nvPr/>
+        </p:nvPicPr>
+        <p:blipFill>
+          <a:blip r:embed="rId3">
+            <a:extLst>
+              <a:ext uri="{28A0092B-C50C-407E-A947-70E740481C1C}">
+                <a14:useLocalDpi xmlns:a14="http://schemas.microsoft.com/office/drawing/2010/main" val="0"/>
+              </a:ext>
+            </a:extLst>
+          </a:blip>
+          <a:stretch>
+            <a:fillRect/>
+          </a:stretch>
+        </p:blipFill>
+        <p:spPr bwMode="auto">
+          <a:xfrm>
+            <a:off x="4319772" y="2093543"/>
+            <a:ext cx="4824228" cy="3316657"/>
+          </a:xfrm>
+          <a:prstGeom prst="rect">
+            <a:avLst/>
+          </a:prstGeom>
+          <a:noFill/>
+          <a:ln>
+            <a:noFill/>
+          </a:ln>
+          <a:extLst>
+            <a:ext uri="{909E8E84-426E-40dd-AFC4-6F175D3DCCD1}">
+              <a14:hiddenFill xmlns="" xmlns:a14="http://schemas.microsoft.com/office/drawing/2010/main">
+                <a:solidFill>
+                  <a:srgbClr val="FFFFFF"/>
+                </a:solidFill>
+              </a14:hiddenFill>
+            </a:ext>
+            <a:ext uri="{91240B29-F687-4f45-9708-019B960494DF}">
+              <a14:hiddenLine xmlns="" xmlns:a14="http://schemas.microsoft.com/office/drawing/2010/main" w="9525">
+                <a:solidFill>
+                  <a:srgbClr val="000000"/>
+                </a:solidFill>
+                <a:miter lim="800000"/>
+                <a:headEnd/>
+                <a:tailEnd/>
+              </a14:hiddenLine>
+            </a:ext>
+          </a:extLst>
+        </p:spPr>
+      </p:pic>
+      <p:sp>
+        <p:nvSpPr>
+          <p:cNvPr id="15" name="TextBox 14"/>
+          <p:cNvSpPr txBox="1"/>
+          <p:nvPr/>
+        </p:nvSpPr>
+        <p:spPr>
+          <a:xfrm>
+            <a:off x="965709" y="5491176"/>
+            <a:ext cx="2488182" cy="307777"/>
+          </a:xfrm>
+          <a:prstGeom prst="rect">
+            <a:avLst/>
+          </a:prstGeom>
+          <a:noFill/>
+        </p:spPr>
+        <p:txBody>
+          <a:bodyPr wrap="none" rtlCol="0">
+            <a:spAutoFit/>
+          </a:bodyPr>
+          <a:lstStyle/>
+          <a:p>
+            <a:pPr lvl="0"/>
+            <a:r>
+              <a:rPr lang="en-US" sz="1400" dirty="0"/>
+              <a:t>Heat map with diversity = </a:t>
+            </a:r>
+            <a:r>
+              <a:rPr lang="en-US" sz="1400" dirty="0" smtClean="0"/>
+              <a:t>0.2</a:t>
+            </a:r>
+            <a:endParaRPr lang="en-US" sz="1400" dirty="0"/>
+          </a:p>
+        </p:txBody>
+      </p:sp>
+      <p:sp>
+        <p:nvSpPr>
+          <p:cNvPr id="16" name="TextBox 15"/>
+          <p:cNvSpPr txBox="1"/>
+          <p:nvPr/>
+        </p:nvSpPr>
+        <p:spPr>
+          <a:xfrm>
+            <a:off x="5257800" y="5482100"/>
+            <a:ext cx="2488182" cy="307777"/>
+          </a:xfrm>
+          <a:prstGeom prst="rect">
+            <a:avLst/>
+          </a:prstGeom>
+          <a:noFill/>
+        </p:spPr>
+        <p:txBody>
+          <a:bodyPr wrap="none" rtlCol="0">
+            <a:spAutoFit/>
+          </a:bodyPr>
+          <a:lstStyle/>
+          <a:p>
+            <a:pPr lvl="0"/>
+            <a:r>
+              <a:rPr lang="en-US" sz="1400" dirty="0"/>
+              <a:t>Heat map with diversity = 1</a:t>
+            </a:r>
+            <a:r>
+              <a:rPr lang="en-US" sz="1400" dirty="0" smtClean="0"/>
+              <a:t>.2</a:t>
+            </a:r>
+            <a:endParaRPr lang="en-US" sz="1400" dirty="0"/>
           </a:p>
         </p:txBody>
       </p:sp>
@@ -7314,49 +6751,396 @@
           <a:p>
             <a:r>
               <a:rPr lang="en-US" dirty="0"/>
-              <a:t>Results 2</a:t>
+              <a:t>Results</a:t>
             </a:r>
           </a:p>
         </p:txBody>
       </p:sp>
       <p:sp>
         <p:nvSpPr>
-          <p:cNvPr id="3" name="Content Placeholder 2"/>
-          <p:cNvSpPr>
-            <a:spLocks noGrp="1"/>
+          <p:cNvPr id="5" name="Content Placeholder 5"/>
+          <p:cNvSpPr txBox="1">
+            <a:spLocks/>
           </p:cNvSpPr>
+          <p:nvPr/>
+        </p:nvSpPr>
+        <p:spPr>
+          <a:xfrm>
+            <a:off x="762000" y="1371600"/>
+            <a:ext cx="7696200" cy="4538610"/>
+          </a:xfrm>
+          <a:prstGeom prst="rect">
+            <a:avLst/>
+          </a:prstGeom>
+        </p:spPr>
+        <p:txBody>
+          <a:bodyPr/>
+          <a:lstStyle>
+            <a:lvl1pPr marL="342900" indent="-342900" algn="l" rtl="0" eaLnBrk="1" fontAlgn="base" hangingPunct="1">
+              <a:spcBef>
+                <a:spcPct val="20000"/>
+              </a:spcBef>
+              <a:spcAft>
+                <a:spcPct val="0"/>
+              </a:spcAft>
+              <a:buClr>
+                <a:schemeClr val="tx2"/>
+              </a:buClr>
+              <a:buSzPct val="65000"/>
+              <a:buFont typeface="Monotype Sorts" pitchFamily="2" charset="2"/>
+              <a:buChar char="n"/>
+              <a:defRPr kumimoji="1" sz="2800">
+                <a:solidFill>
+                  <a:srgbClr val="000000"/>
+                </a:solidFill>
+                <a:latin typeface="+mn-lt"/>
+                <a:ea typeface="+mn-ea"/>
+                <a:cs typeface="+mn-cs"/>
+              </a:defRPr>
+            </a:lvl1pPr>
+            <a:lvl2pPr marL="742950" indent="-285750" algn="l" rtl="0" eaLnBrk="1" fontAlgn="base" hangingPunct="1">
+              <a:spcBef>
+                <a:spcPct val="20000"/>
+              </a:spcBef>
+              <a:spcAft>
+                <a:spcPct val="0"/>
+              </a:spcAft>
+              <a:buClr>
+                <a:schemeClr val="tx2"/>
+              </a:buClr>
+              <a:buChar char="–"/>
+              <a:defRPr kumimoji="1" sz="2400">
+                <a:solidFill>
+                  <a:srgbClr val="000000"/>
+                </a:solidFill>
+                <a:latin typeface="+mn-lt"/>
+              </a:defRPr>
+            </a:lvl2pPr>
+            <a:lvl3pPr marL="1143000" indent="-228600" algn="l" rtl="0" eaLnBrk="1" fontAlgn="base" hangingPunct="1">
+              <a:spcBef>
+                <a:spcPct val="20000"/>
+              </a:spcBef>
+              <a:spcAft>
+                <a:spcPct val="0"/>
+              </a:spcAft>
+              <a:buClr>
+                <a:schemeClr val="tx2"/>
+              </a:buClr>
+              <a:buSzPct val="75000"/>
+              <a:buFont typeface="Monotype Sorts" pitchFamily="2" charset="2"/>
+              <a:buChar char="&lt;"/>
+              <a:defRPr kumimoji="1" sz="2000">
+                <a:solidFill>
+                  <a:srgbClr val="000000"/>
+                </a:solidFill>
+                <a:latin typeface="+mn-lt"/>
+              </a:defRPr>
+            </a:lvl3pPr>
+            <a:lvl4pPr marL="1600200" indent="-228600" algn="l" rtl="0" eaLnBrk="1" fontAlgn="base" hangingPunct="1">
+              <a:spcBef>
+                <a:spcPct val="20000"/>
+              </a:spcBef>
+              <a:spcAft>
+                <a:spcPct val="0"/>
+              </a:spcAft>
+              <a:buClr>
+                <a:schemeClr val="tx2"/>
+              </a:buClr>
+              <a:buChar char="–"/>
+              <a:defRPr kumimoji="1">
+                <a:solidFill>
+                  <a:srgbClr val="000000"/>
+                </a:solidFill>
+                <a:latin typeface="+mn-lt"/>
+              </a:defRPr>
+            </a:lvl4pPr>
+            <a:lvl5pPr marL="2057400" indent="-228600" algn="l" rtl="0" eaLnBrk="1" fontAlgn="base" hangingPunct="1">
+              <a:spcBef>
+                <a:spcPct val="20000"/>
+              </a:spcBef>
+              <a:spcAft>
+                <a:spcPct val="0"/>
+              </a:spcAft>
+              <a:buClr>
+                <a:schemeClr val="tx2"/>
+              </a:buClr>
+              <a:buChar char="–"/>
+              <a:defRPr kumimoji="1" sz="1600">
+                <a:solidFill>
+                  <a:srgbClr val="000000"/>
+                </a:solidFill>
+                <a:latin typeface="+mn-lt"/>
+              </a:defRPr>
+            </a:lvl5pPr>
+            <a:lvl6pPr marL="2514600" indent="-228600" algn="l" rtl="0" eaLnBrk="1" fontAlgn="base" hangingPunct="1">
+              <a:spcBef>
+                <a:spcPct val="20000"/>
+              </a:spcBef>
+              <a:spcAft>
+                <a:spcPct val="0"/>
+              </a:spcAft>
+              <a:buClr>
+                <a:schemeClr val="tx2"/>
+              </a:buClr>
+              <a:buChar char="–"/>
+              <a:defRPr kumimoji="1" sz="1600">
+                <a:solidFill>
+                  <a:srgbClr val="000000"/>
+                </a:solidFill>
+                <a:latin typeface="+mn-lt"/>
+              </a:defRPr>
+            </a:lvl6pPr>
+            <a:lvl7pPr marL="2971800" indent="-228600" algn="l" rtl="0" eaLnBrk="1" fontAlgn="base" hangingPunct="1">
+              <a:spcBef>
+                <a:spcPct val="20000"/>
+              </a:spcBef>
+              <a:spcAft>
+                <a:spcPct val="0"/>
+              </a:spcAft>
+              <a:buClr>
+                <a:schemeClr val="tx2"/>
+              </a:buClr>
+              <a:buChar char="–"/>
+              <a:defRPr kumimoji="1" sz="1600">
+                <a:solidFill>
+                  <a:srgbClr val="000000"/>
+                </a:solidFill>
+                <a:latin typeface="+mn-lt"/>
+              </a:defRPr>
+            </a:lvl7pPr>
+            <a:lvl8pPr marL="3429000" indent="-228600" algn="l" rtl="0" eaLnBrk="1" fontAlgn="base" hangingPunct="1">
+              <a:spcBef>
+                <a:spcPct val="20000"/>
+              </a:spcBef>
+              <a:spcAft>
+                <a:spcPct val="0"/>
+              </a:spcAft>
+              <a:buClr>
+                <a:schemeClr val="tx2"/>
+              </a:buClr>
+              <a:buChar char="–"/>
+              <a:defRPr kumimoji="1" sz="1600">
+                <a:solidFill>
+                  <a:srgbClr val="000000"/>
+                </a:solidFill>
+                <a:latin typeface="+mn-lt"/>
+              </a:defRPr>
+            </a:lvl8pPr>
+            <a:lvl9pPr marL="3886200" indent="-228600" algn="l" rtl="0" eaLnBrk="1" fontAlgn="base" hangingPunct="1">
+              <a:spcBef>
+                <a:spcPct val="20000"/>
+              </a:spcBef>
+              <a:spcAft>
+                <a:spcPct val="0"/>
+              </a:spcAft>
+              <a:buClr>
+                <a:schemeClr val="tx2"/>
+              </a:buClr>
+              <a:buChar char="–"/>
+              <a:defRPr kumimoji="1" sz="1600">
+                <a:solidFill>
+                  <a:srgbClr val="000000"/>
+                </a:solidFill>
+                <a:latin typeface="+mn-lt"/>
+              </a:defRPr>
+            </a:lvl9pPr>
+          </a:lstStyle>
+          <a:p>
+            <a:pPr>
+              <a:buClrTx/>
+            </a:pPr>
+            <a:r>
+              <a:rPr lang="en-US" dirty="0"/>
+              <a:t>Character level embedding with LSTM</a:t>
+            </a:r>
+            <a:endParaRPr lang="en-US" dirty="0">
+              <a:solidFill>
+                <a:srgbClr val="FF0000"/>
+              </a:solidFill>
+            </a:endParaRPr>
+          </a:p>
+          <a:p>
+            <a:endParaRPr lang="en-US" kern="0" dirty="0"/>
+          </a:p>
+          <a:p>
+            <a:endParaRPr lang="en-US" kern="0" dirty="0" smtClean="0"/>
+          </a:p>
+          <a:p>
+            <a:endParaRPr lang="en-US" kern="0" dirty="0"/>
+          </a:p>
+          <a:p>
+            <a:endParaRPr lang="en-US" kern="0" dirty="0" smtClean="0"/>
+          </a:p>
+          <a:p>
+            <a:endParaRPr lang="en-US" kern="0" dirty="0"/>
+          </a:p>
+          <a:p>
+            <a:endParaRPr lang="en-US" kern="0" dirty="0" smtClean="0"/>
+          </a:p>
+          <a:p>
+            <a:endParaRPr lang="en-US" kern="0" dirty="0"/>
+          </a:p>
+          <a:p>
+            <a:endParaRPr lang="en-US" kern="0" dirty="0"/>
+          </a:p>
+        </p:txBody>
+      </p:sp>
+      <p:sp>
+        <p:nvSpPr>
+          <p:cNvPr id="15" name="TextBox 14"/>
+          <p:cNvSpPr txBox="1"/>
+          <p:nvPr/>
+        </p:nvSpPr>
+        <p:spPr>
+          <a:xfrm>
+            <a:off x="965709" y="5491176"/>
+            <a:ext cx="2488182" cy="307777"/>
+          </a:xfrm>
+          <a:prstGeom prst="rect">
+            <a:avLst/>
+          </a:prstGeom>
+          <a:noFill/>
+        </p:spPr>
+        <p:txBody>
+          <a:bodyPr wrap="none" rtlCol="0">
+            <a:spAutoFit/>
+          </a:bodyPr>
+          <a:lstStyle/>
+          <a:p>
+            <a:pPr lvl="0"/>
+            <a:r>
+              <a:rPr lang="en-US" sz="1400" dirty="0"/>
+              <a:t>Heat map with diversity = </a:t>
+            </a:r>
+            <a:r>
+              <a:rPr lang="en-US" sz="1400" dirty="0" smtClean="0"/>
+              <a:t>0.2</a:t>
+            </a:r>
+            <a:endParaRPr lang="en-US" sz="1400" dirty="0"/>
+          </a:p>
+        </p:txBody>
+      </p:sp>
+      <p:sp>
+        <p:nvSpPr>
+          <p:cNvPr id="16" name="TextBox 15"/>
+          <p:cNvSpPr txBox="1"/>
+          <p:nvPr/>
+        </p:nvSpPr>
+        <p:spPr>
+          <a:xfrm>
+            <a:off x="5257800" y="5482100"/>
+            <a:ext cx="2488182" cy="307777"/>
+          </a:xfrm>
+          <a:prstGeom prst="rect">
+            <a:avLst/>
+          </a:prstGeom>
+          <a:noFill/>
+        </p:spPr>
+        <p:txBody>
+          <a:bodyPr wrap="none" rtlCol="0">
+            <a:spAutoFit/>
+          </a:bodyPr>
+          <a:lstStyle/>
+          <a:p>
+            <a:pPr lvl="0"/>
+            <a:r>
+              <a:rPr lang="en-US" sz="1400" dirty="0"/>
+              <a:t>Heat map with diversity = 1</a:t>
+            </a:r>
+            <a:r>
+              <a:rPr lang="en-US" sz="1400" dirty="0" smtClean="0"/>
+              <a:t>.2</a:t>
+            </a:r>
+            <a:endParaRPr lang="en-US" sz="1400" dirty="0"/>
+          </a:p>
+        </p:txBody>
+      </p:sp>
+      <p:pic>
+        <p:nvPicPr>
+          <p:cNvPr id="9" name="Content Placeholder 7"/>
+          <p:cNvPicPr>
+            <a:picLocks noGrp="1" noChangeAspect="1"/>
+          </p:cNvPicPr>
           <p:nvPr>
             <p:ph idx="1"/>
           </p:nvPr>
-        </p:nvSpPr>
-        <p:spPr/>
-        <p:txBody>
-          <a:bodyPr/>
-          <a:lstStyle/>
-          <a:p>
-            <a:r>
-              <a:rPr lang="en-US" dirty="0"/>
-              <a:t>Why can we trust your model?</a:t>
-            </a:r>
-          </a:p>
-          <a:p>
-            <a:r>
-              <a:rPr lang="en-US" dirty="0"/>
-              <a:t>What are the strengths of the model?</a:t>
-            </a:r>
-          </a:p>
-          <a:p>
-            <a:r>
-              <a:rPr lang="en-US" dirty="0"/>
-              <a:t>Where does the model fall short?</a:t>
-            </a:r>
-          </a:p>
-        </p:txBody>
-      </p:sp>
+        </p:nvPicPr>
+        <p:blipFill>
+          <a:blip r:embed="rId2">
+            <a:extLst>
+              <a:ext uri="{28A0092B-C50C-407E-A947-70E740481C1C}">
+                <a14:useLocalDpi xmlns:a14="http://schemas.microsoft.com/office/drawing/2010/main" val="0"/>
+              </a:ext>
+            </a:extLst>
+          </a:blip>
+          <a:stretch>
+            <a:fillRect/>
+          </a:stretch>
+        </p:blipFill>
+        <p:spPr>
+          <a:xfrm>
+            <a:off x="96129" y="2151671"/>
+            <a:ext cx="4655127" cy="3200400"/>
+          </a:xfrm>
+        </p:spPr>
+      </p:pic>
+      <p:pic>
+        <p:nvPicPr>
+          <p:cNvPr id="10" name="Content Placeholder 7"/>
+          <p:cNvPicPr>
+            <a:picLocks noChangeAspect="1"/>
+          </p:cNvPicPr>
+          <p:nvPr/>
+        </p:nvPicPr>
+        <p:blipFill>
+          <a:blip r:embed="rId3">
+            <a:extLst>
+              <a:ext uri="{28A0092B-C50C-407E-A947-70E740481C1C}">
+                <a14:useLocalDpi xmlns:a14="http://schemas.microsoft.com/office/drawing/2010/main" val="0"/>
+              </a:ext>
+            </a:extLst>
+          </a:blip>
+          <a:stretch>
+            <a:fillRect/>
+          </a:stretch>
+        </p:blipFill>
+        <p:spPr bwMode="auto">
+          <a:xfrm>
+            <a:off x="4330191" y="2175705"/>
+            <a:ext cx="4634271" cy="3186062"/>
+          </a:xfrm>
+          <a:prstGeom prst="rect">
+            <a:avLst/>
+          </a:prstGeom>
+          <a:noFill/>
+          <a:ln>
+            <a:noFill/>
+          </a:ln>
+          <a:extLst>
+            <a:ext uri="{909E8E84-426E-40dd-AFC4-6F175D3DCCD1}">
+              <a14:hiddenFill xmlns="" xmlns:a14="http://schemas.microsoft.com/office/drawing/2010/main">
+                <a:solidFill>
+                  <a:srgbClr val="FFFFFF"/>
+                </a:solidFill>
+              </a14:hiddenFill>
+            </a:ext>
+            <a:ext uri="{91240B29-F687-4f45-9708-019B960494DF}">
+              <a14:hiddenLine xmlns="" xmlns:a14="http://schemas.microsoft.com/office/drawing/2010/main" w="9525">
+                <a:solidFill>
+                  <a:srgbClr val="000000"/>
+                </a:solidFill>
+                <a:miter lim="800000"/>
+                <a:headEnd/>
+                <a:tailEnd/>
+              </a14:hiddenLine>
+            </a:ext>
+          </a:extLst>
+        </p:spPr>
+      </p:pic>
     </p:spTree>
     <p:extLst>
       <p:ext uri="{BB962C8B-B14F-4D97-AF65-F5344CB8AC3E}">
-        <p14:creationId xmlns:p14="http://schemas.microsoft.com/office/powerpoint/2010/main" val="3185095740"/>
+        <p14:creationId xmlns:p14="http://schemas.microsoft.com/office/powerpoint/2010/main" val="7339525"/>
       </p:ext>
     </p:extLst>
   </p:cSld>

--- a/Final Presentation Template.pptx
+++ b/Final Presentation Template.pptx
@@ -945,6 +945,96 @@
     </a:lvl9pPr>
   </p:notesStyle>
 </p:notesMaster>
+</file>
+
+<file path=ppt/notesSlides/notesSlide1.xml><?xml version="1.0" encoding="utf-8"?>
+<p:notes xmlns:a="http://schemas.openxmlformats.org/drawingml/2006/main" xmlns:r="http://schemas.openxmlformats.org/officeDocument/2006/relationships" xmlns:p="http://schemas.openxmlformats.org/presentationml/2006/main">
+  <p:cSld>
+    <p:spTree>
+      <p:nvGrpSpPr>
+        <p:cNvPr id="1" name=""/>
+        <p:cNvGrpSpPr/>
+        <p:nvPr/>
+      </p:nvGrpSpPr>
+      <p:grpSpPr>
+        <a:xfrm>
+          <a:off x="0" y="0"/>
+          <a:ext cx="0" cy="0"/>
+          <a:chOff x="0" y="0"/>
+          <a:chExt cx="0" cy="0"/>
+        </a:xfrm>
+      </p:grpSpPr>
+      <p:sp>
+        <p:nvSpPr>
+          <p:cNvPr id="2" name="Slide Image Placeholder 1"/>
+          <p:cNvSpPr>
+            <a:spLocks noGrp="1" noRot="1" noChangeAspect="1"/>
+          </p:cNvSpPr>
+          <p:nvPr>
+            <p:ph type="sldImg"/>
+          </p:nvPr>
+        </p:nvSpPr>
+        <p:spPr/>
+      </p:sp>
+      <p:sp>
+        <p:nvSpPr>
+          <p:cNvPr id="3" name="Notes Placeholder 2"/>
+          <p:cNvSpPr>
+            <a:spLocks noGrp="1"/>
+          </p:cNvSpPr>
+          <p:nvPr>
+            <p:ph type="body" idx="1"/>
+          </p:nvPr>
+        </p:nvSpPr>
+        <p:spPr/>
+        <p:txBody>
+          <a:bodyPr/>
+          <a:lstStyle/>
+          <a:p>
+            <a:endParaRPr lang="en-US" dirty="0"/>
+          </a:p>
+        </p:txBody>
+      </p:sp>
+      <p:sp>
+        <p:nvSpPr>
+          <p:cNvPr id="4" name="Slide Number Placeholder 3"/>
+          <p:cNvSpPr>
+            <a:spLocks noGrp="1"/>
+          </p:cNvSpPr>
+          <p:nvPr>
+            <p:ph type="sldNum" sz="quarter" idx="10"/>
+          </p:nvPr>
+        </p:nvSpPr>
+        <p:spPr/>
+        <p:txBody>
+          <a:bodyPr/>
+          <a:lstStyle/>
+          <a:p>
+            <a:pPr>
+              <a:defRPr/>
+            </a:pPr>
+            <a:fld id="{2D95AE2C-58A8-4B27-9B3E-91ACA2B31C2D}" type="slidenum">
+              <a:rPr lang="en-US" altLang="en-US" smtClean="0"/>
+              <a:pPr>
+                <a:defRPr/>
+              </a:pPr>
+              <a:t>8</a:t>
+            </a:fld>
+            <a:endParaRPr lang="en-US" altLang="en-US"/>
+          </a:p>
+        </p:txBody>
+      </p:sp>
+    </p:spTree>
+    <p:extLst>
+      <p:ext uri="{BB962C8B-B14F-4D97-AF65-F5344CB8AC3E}">
+        <p14:creationId xmlns:p14="http://schemas.microsoft.com/office/powerpoint/2010/main" val="1259365689"/>
+      </p:ext>
+    </p:extLst>
+  </p:cSld>
+  <p:clrMapOvr>
+    <a:masterClrMapping/>
+  </p:clrMapOvr>
+</p:notes>
 </file>
 
 <file path=ppt/slideLayouts/slideLayout1.xml><?xml version="1.0" encoding="utf-8"?>
@@ -5195,7 +5285,15 @@
             </a:r>
             <a:r>
               <a:rPr lang="en-US" sz="1800" dirty="0"/>
-              <a:t> API (a recipe repository) provided 90,000 ingredient lists for the search parameter ‘cookie</a:t>
+              <a:t> API (a recipe repository) provided </a:t>
+            </a:r>
+            <a:r>
+              <a:rPr lang="en-US" sz="1800" dirty="0" smtClean="0"/>
+              <a:t>80,000 </a:t>
+            </a:r>
+            <a:r>
+              <a:rPr lang="en-US" sz="1800" dirty="0"/>
+              <a:t>ingredient lists for the search parameter ‘cookie</a:t>
             </a:r>
             <a:r>
               <a:rPr lang="en-US" sz="1800" dirty="0" smtClean="0"/>
@@ -6520,6 +6618,9 @@
             </a:lvl9pPr>
           </a:lstStyle>
           <a:p>
+            <a:pPr>
+              <a:buClrTx/>
+            </a:pPr>
             <a:r>
               <a:rPr lang="en-US" kern="0" dirty="0" smtClean="0"/>
               <a:t>Character level embedding with CNN</a:t>
@@ -6562,7 +6663,7 @@
           </p:nvPr>
         </p:nvPicPr>
         <p:blipFill>
-          <a:blip r:embed="rId2">
+          <a:blip r:embed="rId3">
             <a:extLst>
               <a:ext uri="{28A0092B-C50C-407E-A947-70E740481C1C}">
                 <a14:useLocalDpi xmlns:a14="http://schemas.microsoft.com/office/drawing/2010/main" val="0"/>
@@ -6589,7 +6690,7 @@
           <p:nvPr/>
         </p:nvPicPr>
         <p:blipFill>
-          <a:blip r:embed="rId3">
+          <a:blip r:embed="rId4">
             <a:extLst>
               <a:ext uri="{28A0092B-C50C-407E-A947-70E740481C1C}">
                 <a14:useLocalDpi xmlns:a14="http://schemas.microsoft.com/office/drawing/2010/main" val="0"/>

--- a/Final Presentation Template.pptx
+++ b/Final Presentation Template.pptx
@@ -6075,20 +6075,20 @@
               <a:buChar char="•"/>
             </a:pPr>
             <a:r>
+              <a:rPr lang="en-US" sz="2000" dirty="0" smtClean="0"/>
+              <a:t>Convolutional NN: </a:t>
+            </a:r>
+            <a:r>
               <a:rPr lang="en-US" altLang="zh-CN" sz="2000" dirty="0" smtClean="0"/>
-              <a:t>Dynamic</a:t>
+              <a:t>the</a:t>
             </a:r>
             <a:r>
               <a:rPr lang="zh-CN" altLang="en-US" sz="2000" dirty="0" smtClean="0"/>
               <a:t> </a:t>
             </a:r>
             <a:r>
-              <a:rPr lang="en-US" sz="2000" dirty="0" smtClean="0"/>
-              <a:t>Convolutional NN: </a:t>
-            </a:r>
-            <a:r>
               <a:rPr lang="en-US" altLang="zh-CN" sz="2000" dirty="0" smtClean="0"/>
-              <a:t>the</a:t>
+              <a:t>connectivity</a:t>
             </a:r>
             <a:r>
               <a:rPr lang="zh-CN" altLang="en-US" sz="2000" dirty="0" smtClean="0"/>
@@ -6096,7 +6096,7 @@
             </a:r>
             <a:r>
               <a:rPr lang="en-US" altLang="zh-CN" sz="2000" dirty="0" smtClean="0"/>
-              <a:t>connectivity</a:t>
+              <a:t>pattern</a:t>
             </a:r>
             <a:r>
               <a:rPr lang="zh-CN" altLang="en-US" sz="2000" dirty="0" smtClean="0"/>
@@ -6104,7 +6104,7 @@
             </a:r>
             <a:r>
               <a:rPr lang="en-US" altLang="zh-CN" sz="2000" dirty="0" smtClean="0"/>
-              <a:t>pattern</a:t>
+              <a:t>between</a:t>
             </a:r>
             <a:r>
               <a:rPr lang="zh-CN" altLang="en-US" sz="2000" dirty="0" smtClean="0"/>
@@ -6112,7 +6112,7 @@
             </a:r>
             <a:r>
               <a:rPr lang="en-US" altLang="zh-CN" sz="2000" dirty="0" smtClean="0"/>
-              <a:t>between</a:t>
+              <a:t>its</a:t>
             </a:r>
             <a:r>
               <a:rPr lang="zh-CN" altLang="en-US" sz="2000" dirty="0" smtClean="0"/>
@@ -6120,7 +6120,7 @@
             </a:r>
             <a:r>
               <a:rPr lang="en-US" altLang="zh-CN" sz="2000" dirty="0" smtClean="0"/>
-              <a:t>its</a:t>
+              <a:t>neurons</a:t>
             </a:r>
             <a:r>
               <a:rPr lang="zh-CN" altLang="en-US" sz="2000" dirty="0" smtClean="0"/>
@@ -6128,7 +6128,7 @@
             </a:r>
             <a:r>
               <a:rPr lang="en-US" altLang="zh-CN" sz="2000" dirty="0" smtClean="0"/>
-              <a:t>neurons</a:t>
+              <a:t>is</a:t>
             </a:r>
             <a:r>
               <a:rPr lang="zh-CN" altLang="en-US" sz="2000" dirty="0" smtClean="0"/>
@@ -6136,7 +6136,7 @@
             </a:r>
             <a:r>
               <a:rPr lang="en-US" altLang="zh-CN" sz="2000" dirty="0" smtClean="0"/>
-              <a:t>is</a:t>
+              <a:t>just</a:t>
             </a:r>
             <a:r>
               <a:rPr lang="zh-CN" altLang="en-US" sz="2000" dirty="0" smtClean="0"/>
@@ -6144,7 +6144,7 @@
             </a:r>
             <a:r>
               <a:rPr lang="en-US" altLang="zh-CN" sz="2000" dirty="0" smtClean="0"/>
-              <a:t>just</a:t>
+              <a:t>like</a:t>
             </a:r>
             <a:r>
               <a:rPr lang="zh-CN" altLang="en-US" sz="2000" dirty="0" smtClean="0"/>
@@ -6152,7 +6152,7 @@
             </a:r>
             <a:r>
               <a:rPr lang="en-US" altLang="zh-CN" sz="2000" dirty="0" smtClean="0"/>
-              <a:t>like</a:t>
+              <a:t>animal</a:t>
             </a:r>
             <a:r>
               <a:rPr lang="zh-CN" altLang="en-US" sz="2000" dirty="0" smtClean="0"/>
@@ -6160,7 +6160,7 @@
             </a:r>
             <a:r>
               <a:rPr lang="en-US" altLang="zh-CN" sz="2000" dirty="0" smtClean="0"/>
-              <a:t>animal</a:t>
+              <a:t>visual</a:t>
             </a:r>
             <a:r>
               <a:rPr lang="zh-CN" altLang="en-US" sz="2000" dirty="0" smtClean="0"/>
@@ -6168,7 +6168,7 @@
             </a:r>
             <a:r>
               <a:rPr lang="en-US" altLang="zh-CN" sz="2000" dirty="0" smtClean="0"/>
-              <a:t>visual</a:t>
+              <a:t>cortex.</a:t>
             </a:r>
             <a:r>
               <a:rPr lang="zh-CN" altLang="en-US" sz="2000" dirty="0" smtClean="0"/>
@@ -6176,7 +6176,7 @@
             </a:r>
             <a:r>
               <a:rPr lang="en-US" altLang="zh-CN" sz="2000" dirty="0" smtClean="0"/>
-              <a:t>cortex.</a:t>
+              <a:t>This</a:t>
             </a:r>
             <a:r>
               <a:rPr lang="zh-CN" altLang="en-US" sz="2000" dirty="0" smtClean="0"/>
@@ -6184,7 +6184,7 @@
             </a:r>
             <a:r>
               <a:rPr lang="en-US" altLang="zh-CN" sz="2000" dirty="0" smtClean="0"/>
-              <a:t>This</a:t>
+              <a:t>network</a:t>
             </a:r>
             <a:r>
               <a:rPr lang="zh-CN" altLang="en-US" sz="2000" dirty="0" smtClean="0"/>
@@ -6192,7 +6192,7 @@
             </a:r>
             <a:r>
               <a:rPr lang="en-US" altLang="zh-CN" sz="2000" dirty="0" smtClean="0"/>
-              <a:t>network</a:t>
+              <a:t>can</a:t>
             </a:r>
             <a:r>
               <a:rPr lang="zh-CN" altLang="en-US" sz="2000" dirty="0" smtClean="0"/>
@@ -6200,7 +6200,7 @@
             </a:r>
             <a:r>
               <a:rPr lang="en-US" altLang="zh-CN" sz="2000" dirty="0" smtClean="0"/>
-              <a:t>can</a:t>
+              <a:t>be</a:t>
             </a:r>
             <a:r>
               <a:rPr lang="zh-CN" altLang="en-US" sz="2000" dirty="0" smtClean="0"/>
@@ -6208,7 +6208,7 @@
             </a:r>
             <a:r>
               <a:rPr lang="en-US" altLang="zh-CN" sz="2000" dirty="0" smtClean="0"/>
-              <a:t>be</a:t>
+              <a:t>used</a:t>
             </a:r>
             <a:r>
               <a:rPr lang="zh-CN" altLang="en-US" sz="2000" dirty="0" smtClean="0"/>
@@ -6216,7 +6216,7 @@
             </a:r>
             <a:r>
               <a:rPr lang="en-US" altLang="zh-CN" sz="2000" dirty="0" smtClean="0"/>
-              <a:t>used</a:t>
+              <a:t>to</a:t>
             </a:r>
             <a:r>
               <a:rPr lang="zh-CN" altLang="en-US" sz="2000" dirty="0" smtClean="0"/>
@@ -6224,7 +6224,7 @@
             </a:r>
             <a:r>
               <a:rPr lang="en-US" altLang="zh-CN" sz="2000" dirty="0" smtClean="0"/>
-              <a:t>to</a:t>
+              <a:t>do</a:t>
             </a:r>
             <a:r>
               <a:rPr lang="zh-CN" altLang="en-US" sz="2000" dirty="0" smtClean="0"/>
@@ -6232,7 +6232,7 @@
             </a:r>
             <a:r>
               <a:rPr lang="en-US" altLang="zh-CN" sz="2000" dirty="0" smtClean="0"/>
-              <a:t>do</a:t>
+              <a:t>sentence</a:t>
             </a:r>
             <a:r>
               <a:rPr lang="zh-CN" altLang="en-US" sz="2000" dirty="0" smtClean="0"/>
@@ -6240,7 +6240,7 @@
             </a:r>
             <a:r>
               <a:rPr lang="en-US" altLang="zh-CN" sz="2000" dirty="0" smtClean="0"/>
-              <a:t>sentence</a:t>
+              <a:t>modeling.</a:t>
             </a:r>
             <a:r>
               <a:rPr lang="zh-CN" altLang="en-US" sz="2000" dirty="0" smtClean="0"/>
@@ -6248,12 +6248,11 @@
             </a:r>
             <a:r>
               <a:rPr lang="en-US" altLang="zh-CN" sz="2000" dirty="0" smtClean="0"/>
-              <a:t>modeling.</a:t>
-            </a:r>
-            <a:r>
-              <a:rPr lang="zh-CN" altLang="en-US" sz="2000" dirty="0" smtClean="0"/>
-              <a:t> </a:t>
-            </a:r>
+              <a:t/>
+            </a:r>
+            <a:br>
+              <a:rPr lang="en-US" altLang="zh-CN" sz="2000" dirty="0" smtClean="0"/>
+            </a:br>
             <a:r>
               <a:rPr lang="en-US" altLang="zh-CN" sz="2000" dirty="0" smtClean="0"/>
               <a:t/>
@@ -6322,22 +6321,16 @@
             </a:r>
             <a:r>
               <a:rPr lang="en-US" sz="1400" dirty="0"/>
-              <a:t>3 The structures of our </a:t>
-            </a:r>
-            <a:r>
-              <a:rPr lang="en-US" sz="1400" dirty="0" smtClean="0"/>
+              <a:t>3 The structures of </a:t>
+            </a:r>
+            <a:r>
+              <a:rPr lang="en-US" sz="1400"/>
+              <a:t>our </a:t>
+            </a:r>
+            <a:r>
+              <a:rPr lang="en-US" sz="1400" smtClean="0"/>
               <a:t>models</a:t>
             </a:r>
-            <a:r>
-              <a:rPr lang="en-US" sz="1800" dirty="0" smtClean="0"/>
-              <a:t/>
-            </a:r>
-            <a:br>
-              <a:rPr lang="en-US" sz="1800" dirty="0" smtClean="0"/>
-            </a:br>
-            <a:endParaRPr lang="en-US" sz="1800" dirty="0" smtClean="0"/>
-          </a:p>
-          <a:p>
             <a:endParaRPr lang="en-US" dirty="0" smtClean="0"/>
           </a:p>
           <a:p>
